--- a/Group Presentations/Run 8650 Efficiency Results.pptx
+++ b/Group Presentations/Run 8650 Efficiency Results.pptx
@@ -5,20 +5,23 @@
     <p:sldMasterId id="2147483648" r:id="rId1"/>
   </p:sldMasterIdLst>
   <p:notesMasterIdLst>
-    <p:notesMasterId r:id="rId13"/>
+    <p:notesMasterId r:id="rId16"/>
   </p:notesMasterIdLst>
   <p:sldIdLst>
     <p:sldId id="256" r:id="rId2"/>
-    <p:sldId id="364" r:id="rId3"/>
-    <p:sldId id="367" r:id="rId4"/>
-    <p:sldId id="366" r:id="rId5"/>
-    <p:sldId id="369" r:id="rId6"/>
-    <p:sldId id="370" r:id="rId7"/>
-    <p:sldId id="371" r:id="rId8"/>
-    <p:sldId id="257" r:id="rId9"/>
-    <p:sldId id="372" r:id="rId10"/>
-    <p:sldId id="374" r:id="rId11"/>
-    <p:sldId id="375" r:id="rId12"/>
+    <p:sldId id="378" r:id="rId3"/>
+    <p:sldId id="379" r:id="rId4"/>
+    <p:sldId id="364" r:id="rId5"/>
+    <p:sldId id="367" r:id="rId6"/>
+    <p:sldId id="366" r:id="rId7"/>
+    <p:sldId id="369" r:id="rId8"/>
+    <p:sldId id="370" r:id="rId9"/>
+    <p:sldId id="371" r:id="rId10"/>
+    <p:sldId id="257" r:id="rId11"/>
+    <p:sldId id="372" r:id="rId12"/>
+    <p:sldId id="374" r:id="rId13"/>
+    <p:sldId id="375" r:id="rId14"/>
+    <p:sldId id="376" r:id="rId15"/>
   </p:sldIdLst>
   <p:sldSz cx="12192000" cy="6858000"/>
   <p:notesSz cx="6858000" cy="9144000"/>
@@ -117,6 +120,11 @@
       </a:defRPr>
     </a:lvl9pPr>
   </p:defaultTextStyle>
+  <p:extLst>
+    <p:ext uri="{EFAFB233-063F-42B5-8137-9DF3F51BA10A}">
+      <p15:sldGuideLst xmlns:p15="http://schemas.microsoft.com/office/powerpoint/2012/main"/>
+    </p:ext>
+  </p:extLst>
 </p:presentation>
 </file>
 
@@ -202,7 +210,7 @@
           <a:p>
             <a:fld id="{6BE97A47-8655-7D41-8173-924139244585}" type="datetimeFigureOut">
               <a:rPr lang="en-US" smtClean="0"/>
-              <a:t>8/18/22</a:t>
+              <a:t>8/29/22</a:t>
             </a:fld>
             <a:endParaRPr lang="en-US"/>
           </a:p>
@@ -534,7 +542,7 @@
           <a:p>
             <a:fld id="{9D12BD21-B2D5-CB4C-BAF4-855897635229}" type="slidenum">
               <a:rPr lang="en-US" smtClean="0"/>
-              <a:t>3</a:t>
+              <a:t>5</a:t>
             </a:fld>
             <a:endParaRPr lang="en-US" dirty="0"/>
           </a:p>
@@ -618,7 +626,7 @@
           <a:p>
             <a:fld id="{9D12BD21-B2D5-CB4C-BAF4-855897635229}" type="slidenum">
               <a:rPr lang="en-US" smtClean="0"/>
-              <a:t>4</a:t>
+              <a:t>6</a:t>
             </a:fld>
             <a:endParaRPr lang="en-US" dirty="0"/>
           </a:p>
@@ -702,7 +710,7 @@
           <a:p>
             <a:fld id="{9D12BD21-B2D5-CB4C-BAF4-855897635229}" type="slidenum">
               <a:rPr lang="en-US" smtClean="0"/>
-              <a:t>5</a:t>
+              <a:t>7</a:t>
             </a:fld>
             <a:endParaRPr lang="en-US" dirty="0"/>
           </a:p>
@@ -786,7 +794,7 @@
           <a:p>
             <a:fld id="{9D12BD21-B2D5-CB4C-BAF4-855897635229}" type="slidenum">
               <a:rPr lang="en-US" smtClean="0"/>
-              <a:t>6</a:t>
+              <a:t>8</a:t>
             </a:fld>
             <a:endParaRPr lang="en-US" dirty="0"/>
           </a:p>
@@ -952,7 +960,7 @@
           <a:p>
             <a:fld id="{5B2F1B47-90AF-C047-B63F-E2E4B46517A6}" type="datetimeFigureOut">
               <a:rPr lang="en-US" smtClean="0"/>
-              <a:t>8/18/22</a:t>
+              <a:t>8/29/22</a:t>
             </a:fld>
             <a:endParaRPr lang="en-US"/>
           </a:p>
@@ -1150,7 +1158,7 @@
           <a:p>
             <a:fld id="{5B2F1B47-90AF-C047-B63F-E2E4B46517A6}" type="datetimeFigureOut">
               <a:rPr lang="en-US" smtClean="0"/>
-              <a:t>8/18/22</a:t>
+              <a:t>8/29/22</a:t>
             </a:fld>
             <a:endParaRPr lang="en-US"/>
           </a:p>
@@ -1358,7 +1366,7 @@
           <a:p>
             <a:fld id="{5B2F1B47-90AF-C047-B63F-E2E4B46517A6}" type="datetimeFigureOut">
               <a:rPr lang="en-US" smtClean="0"/>
-              <a:t>8/18/22</a:t>
+              <a:t>8/29/22</a:t>
             </a:fld>
             <a:endParaRPr lang="en-US"/>
           </a:p>
@@ -1556,7 +1564,7 @@
           <a:p>
             <a:fld id="{5B2F1B47-90AF-C047-B63F-E2E4B46517A6}" type="datetimeFigureOut">
               <a:rPr lang="en-US" smtClean="0"/>
-              <a:t>8/18/22</a:t>
+              <a:t>8/29/22</a:t>
             </a:fld>
             <a:endParaRPr lang="en-US"/>
           </a:p>
@@ -1831,7 +1839,7 @@
           <a:p>
             <a:fld id="{5B2F1B47-90AF-C047-B63F-E2E4B46517A6}" type="datetimeFigureOut">
               <a:rPr lang="en-US" smtClean="0"/>
-              <a:t>8/18/22</a:t>
+              <a:t>8/29/22</a:t>
             </a:fld>
             <a:endParaRPr lang="en-US"/>
           </a:p>
@@ -2096,7 +2104,7 @@
           <a:p>
             <a:fld id="{5B2F1B47-90AF-C047-B63F-E2E4B46517A6}" type="datetimeFigureOut">
               <a:rPr lang="en-US" smtClean="0"/>
-              <a:t>8/18/22</a:t>
+              <a:t>8/29/22</a:t>
             </a:fld>
             <a:endParaRPr lang="en-US"/>
           </a:p>
@@ -2508,7 +2516,7 @@
           <a:p>
             <a:fld id="{5B2F1B47-90AF-C047-B63F-E2E4B46517A6}" type="datetimeFigureOut">
               <a:rPr lang="en-US" smtClean="0"/>
-              <a:t>8/18/22</a:t>
+              <a:t>8/29/22</a:t>
             </a:fld>
             <a:endParaRPr lang="en-US"/>
           </a:p>
@@ -2649,7 +2657,7 @@
           <a:p>
             <a:fld id="{5B2F1B47-90AF-C047-B63F-E2E4B46517A6}" type="datetimeFigureOut">
               <a:rPr lang="en-US" smtClean="0"/>
-              <a:t>8/18/22</a:t>
+              <a:t>8/29/22</a:t>
             </a:fld>
             <a:endParaRPr lang="en-US"/>
           </a:p>
@@ -2762,7 +2770,7 @@
           <a:p>
             <a:fld id="{5B2F1B47-90AF-C047-B63F-E2E4B46517A6}" type="datetimeFigureOut">
               <a:rPr lang="en-US" smtClean="0"/>
-              <a:t>8/18/22</a:t>
+              <a:t>8/29/22</a:t>
             </a:fld>
             <a:endParaRPr lang="en-US"/>
           </a:p>
@@ -3073,7 +3081,7 @@
           <a:p>
             <a:fld id="{5B2F1B47-90AF-C047-B63F-E2E4B46517A6}" type="datetimeFigureOut">
               <a:rPr lang="en-US" smtClean="0"/>
-              <a:t>8/18/22</a:t>
+              <a:t>8/29/22</a:t>
             </a:fld>
             <a:endParaRPr lang="en-US"/>
           </a:p>
@@ -3361,7 +3369,7 @@
           <a:p>
             <a:fld id="{5B2F1B47-90AF-C047-B63F-E2E4B46517A6}" type="datetimeFigureOut">
               <a:rPr lang="en-US" smtClean="0"/>
-              <a:t>8/18/22</a:t>
+              <a:t>8/29/22</a:t>
             </a:fld>
             <a:endParaRPr lang="en-US"/>
           </a:p>
@@ -3602,7 +3610,7 @@
           <a:p>
             <a:fld id="{5B2F1B47-90AF-C047-B63F-E2E4B46517A6}" type="datetimeFigureOut">
               <a:rPr lang="en-US" smtClean="0"/>
-              <a:t>8/18/22</a:t>
+              <a:t>8/29/22</a:t>
             </a:fld>
             <a:endParaRPr lang="en-US"/>
           </a:p>
@@ -4068,7 +4076,16 @@
           <a:bodyPr/>
           <a:lstStyle/>
           <a:p>
-            <a:endParaRPr lang="en-US"/>
+            <a:r>
+              <a:rPr lang="en-US" dirty="0"/>
+              <a:t>Tanvi Krishnan</a:t>
+            </a:r>
+          </a:p>
+          <a:p>
+            <a:r>
+              <a:rPr lang="en-US" dirty="0"/>
+              <a:t>Mentor: Gianluca Petrillo</a:t>
+            </a:r>
           </a:p>
         </p:txBody>
       </p:sp>
@@ -4086,6 +4103,193 @@
 </file>
 
 <file path=ppt/slides/slide10.xml><?xml version="1.0" encoding="utf-8"?>
+<p:sld xmlns:a="http://schemas.openxmlformats.org/drawingml/2006/main" xmlns:r="http://schemas.openxmlformats.org/officeDocument/2006/relationships" xmlns:p="http://schemas.openxmlformats.org/presentationml/2006/main">
+  <p:cSld>
+    <p:spTree>
+      <p:nvGrpSpPr>
+        <p:cNvPr id="1" name=""/>
+        <p:cNvGrpSpPr/>
+        <p:nvPr/>
+      </p:nvGrpSpPr>
+      <p:grpSpPr>
+        <a:xfrm>
+          <a:off x="0" y="0"/>
+          <a:ext cx="0" cy="0"/>
+          <a:chOff x="0" y="0"/>
+          <a:chExt cx="0" cy="0"/>
+        </a:xfrm>
+      </p:grpSpPr>
+      <p:sp>
+        <p:nvSpPr>
+          <p:cNvPr id="6" name="Title 5">
+            <a:extLst>
+              <a:ext uri="{FF2B5EF4-FFF2-40B4-BE49-F238E27FC236}">
+                <a16:creationId xmlns:a16="http://schemas.microsoft.com/office/drawing/2014/main" id="{5969D557-177F-EAF8-E003-AD76B214200A}"/>
+              </a:ext>
+            </a:extLst>
+          </p:cNvPr>
+          <p:cNvSpPr>
+            <a:spLocks noGrp="1"/>
+          </p:cNvSpPr>
+          <p:nvPr>
+            <p:ph type="title"/>
+          </p:nvPr>
+        </p:nvSpPr>
+        <p:spPr/>
+        <p:txBody>
+          <a:bodyPr/>
+          <a:lstStyle/>
+          <a:p>
+            <a:r>
+              <a:rPr lang="en-US" dirty="0"/>
+              <a:t>Trigger Emulation Windows</a:t>
+            </a:r>
+          </a:p>
+        </p:txBody>
+      </p:sp>
+      <p:sp>
+        <p:nvSpPr>
+          <p:cNvPr id="7" name="Content Placeholder 6">
+            <a:extLst>
+              <a:ext uri="{FF2B5EF4-FFF2-40B4-BE49-F238E27FC236}">
+                <a16:creationId xmlns:a16="http://schemas.microsoft.com/office/drawing/2014/main" id="{40BD01CF-E43C-B3DA-801B-1A7355C53EC7}"/>
+              </a:ext>
+            </a:extLst>
+          </p:cNvPr>
+          <p:cNvSpPr>
+            <a:spLocks noGrp="1"/>
+          </p:cNvSpPr>
+          <p:nvPr>
+            <p:ph idx="1"/>
+          </p:nvPr>
+        </p:nvSpPr>
+        <p:spPr/>
+        <p:txBody>
+          <a:bodyPr/>
+          <a:lstStyle/>
+          <a:p>
+            <a:r>
+              <a:rPr lang="en-US" dirty="0"/>
+              <a:t>East Cryostat – stuck with the (-20, 0) µs emulation window</a:t>
+            </a:r>
+          </a:p>
+          <a:p>
+            <a:r>
+              <a:rPr lang="en-US" dirty="0"/>
+              <a:t>West Cryostat – chose the (-15, 5) µs emulation window</a:t>
+            </a:r>
+          </a:p>
+          <a:p>
+            <a:r>
+              <a:rPr lang="en-US" dirty="0"/>
+              <a:t>Due to various shifts, PMT readout window for this sample is (-49, 117) µs</a:t>
+            </a:r>
+          </a:p>
+          <a:p>
+            <a:r>
+              <a:rPr lang="en-US" dirty="0"/>
+              <a:t>t0 reconstruction has improved since run 7232 – more flashes after t0 now compared to previously</a:t>
+            </a:r>
+          </a:p>
+        </p:txBody>
+      </p:sp>
+    </p:spTree>
+    <p:extLst>
+      <p:ext uri="{BB962C8B-B14F-4D97-AF65-F5344CB8AC3E}">
+        <p14:creationId xmlns:p14="http://schemas.microsoft.com/office/powerpoint/2010/main" val="1125222012"/>
+      </p:ext>
+    </p:extLst>
+  </p:cSld>
+  <p:clrMapOvr>
+    <a:masterClrMapping/>
+  </p:clrMapOvr>
+</p:sld>
+</file>
+
+<file path=ppt/slides/slide11.xml><?xml version="1.0" encoding="utf-8"?>
+<p:sld xmlns:a="http://schemas.openxmlformats.org/drawingml/2006/main" xmlns:r="http://schemas.openxmlformats.org/officeDocument/2006/relationships" xmlns:p="http://schemas.openxmlformats.org/presentationml/2006/main">
+  <p:cSld>
+    <p:spTree>
+      <p:nvGrpSpPr>
+        <p:cNvPr id="1" name=""/>
+        <p:cNvGrpSpPr/>
+        <p:nvPr/>
+      </p:nvGrpSpPr>
+      <p:grpSpPr>
+        <a:xfrm>
+          <a:off x="0" y="0"/>
+          <a:ext cx="0" cy="0"/>
+          <a:chOff x="0" y="0"/>
+          <a:chExt cx="0" cy="0"/>
+        </a:xfrm>
+      </p:grpSpPr>
+      <p:sp>
+        <p:nvSpPr>
+          <p:cNvPr id="4" name="Title 3">
+            <a:extLst>
+              <a:ext uri="{FF2B5EF4-FFF2-40B4-BE49-F238E27FC236}">
+                <a16:creationId xmlns:a16="http://schemas.microsoft.com/office/drawing/2014/main" id="{ADA3826F-E251-1CB5-0A77-560E9E0B08B8}"/>
+              </a:ext>
+            </a:extLst>
+          </p:cNvPr>
+          <p:cNvSpPr>
+            <a:spLocks noGrp="1"/>
+          </p:cNvSpPr>
+          <p:nvPr>
+            <p:ph type="title"/>
+          </p:nvPr>
+        </p:nvSpPr>
+        <p:spPr/>
+        <p:txBody>
+          <a:bodyPr/>
+          <a:lstStyle/>
+          <a:p>
+            <a:r>
+              <a:rPr lang="en-US" dirty="0"/>
+              <a:t>Efficiency Plots</a:t>
+            </a:r>
+          </a:p>
+        </p:txBody>
+      </p:sp>
+      <p:sp>
+        <p:nvSpPr>
+          <p:cNvPr id="5" name="Text Placeholder 4">
+            <a:extLst>
+              <a:ext uri="{FF2B5EF4-FFF2-40B4-BE49-F238E27FC236}">
+                <a16:creationId xmlns:a16="http://schemas.microsoft.com/office/drawing/2014/main" id="{43CACA1D-B752-E032-10B9-58E0D9CEE960}"/>
+              </a:ext>
+            </a:extLst>
+          </p:cNvPr>
+          <p:cNvSpPr>
+            <a:spLocks noGrp="1"/>
+          </p:cNvSpPr>
+          <p:nvPr>
+            <p:ph type="body" idx="1"/>
+          </p:nvPr>
+        </p:nvSpPr>
+        <p:spPr/>
+        <p:txBody>
+          <a:bodyPr/>
+          <a:lstStyle/>
+          <a:p>
+            <a:endParaRPr lang="en-US"/>
+          </a:p>
+        </p:txBody>
+      </p:sp>
+    </p:spTree>
+    <p:extLst>
+      <p:ext uri="{BB962C8B-B14F-4D97-AF65-F5344CB8AC3E}">
+        <p14:creationId xmlns:p14="http://schemas.microsoft.com/office/powerpoint/2010/main" val="1021927166"/>
+      </p:ext>
+    </p:extLst>
+  </p:cSld>
+  <p:clrMapOvr>
+    <a:masterClrMapping/>
+  </p:clrMapOvr>
+</p:sld>
+</file>
+
+<file path=ppt/slides/slide12.xml><?xml version="1.0" encoding="utf-8"?>
 <p:sld xmlns:a="http://schemas.openxmlformats.org/drawingml/2006/main" xmlns:r="http://schemas.openxmlformats.org/officeDocument/2006/relationships" xmlns:p="http://schemas.openxmlformats.org/presentationml/2006/main">
   <p:cSld>
     <p:spTree>
@@ -4323,7 +4527,7 @@
 </p:sld>
 </file>
 
-<file path=ppt/slides/slide11.xml><?xml version="1.0" encoding="utf-8"?>
+<file path=ppt/slides/slide13.xml><?xml version="1.0" encoding="utf-8"?>
 <p:sld xmlns:a="http://schemas.openxmlformats.org/drawingml/2006/main" xmlns:r="http://schemas.openxmlformats.org/officeDocument/2006/relationships" xmlns:p="http://schemas.openxmlformats.org/presentationml/2006/main">
   <p:cSld>
     <p:spTree>
@@ -4561,6 +4765,209 @@
 </p:sld>
 </file>
 
+<file path=ppt/slides/slide14.xml><?xml version="1.0" encoding="utf-8"?>
+<p:sld xmlns:a="http://schemas.openxmlformats.org/drawingml/2006/main" xmlns:r="http://schemas.openxmlformats.org/officeDocument/2006/relationships" xmlns:p="http://schemas.openxmlformats.org/presentationml/2006/main">
+  <p:cSld>
+    <p:spTree>
+      <p:nvGrpSpPr>
+        <p:cNvPr id="1" name=""/>
+        <p:cNvGrpSpPr/>
+        <p:nvPr/>
+      </p:nvGrpSpPr>
+      <p:grpSpPr>
+        <a:xfrm>
+          <a:off x="0" y="0"/>
+          <a:ext cx="0" cy="0"/>
+          <a:chOff x="0" y="0"/>
+          <a:chExt cx="0" cy="0"/>
+        </a:xfrm>
+      </p:grpSpPr>
+      <p:pic>
+        <p:nvPicPr>
+          <p:cNvPr id="11" name="Picture 10">
+            <a:extLst>
+              <a:ext uri="{FF2B5EF4-FFF2-40B4-BE49-F238E27FC236}">
+                <a16:creationId xmlns:a16="http://schemas.microsoft.com/office/drawing/2014/main" id="{90BBB3F6-3FAF-E3AD-6637-36E3D9958638}"/>
+              </a:ext>
+            </a:extLst>
+          </p:cNvPr>
+          <p:cNvPicPr>
+            <a:picLocks noChangeAspect="1"/>
+          </p:cNvPicPr>
+          <p:nvPr/>
+        </p:nvPicPr>
+        <p:blipFill>
+          <a:blip r:embed="rId2"/>
+          <a:stretch>
+            <a:fillRect/>
+          </a:stretch>
+        </p:blipFill>
+        <p:spPr>
+          <a:xfrm>
+            <a:off x="6096000" y="1746504"/>
+            <a:ext cx="4909242" cy="5111496"/>
+          </a:xfrm>
+          <a:prstGeom prst="rect">
+            <a:avLst/>
+          </a:prstGeom>
+        </p:spPr>
+      </p:pic>
+      <p:pic>
+        <p:nvPicPr>
+          <p:cNvPr id="13" name="Picture 12">
+            <a:extLst>
+              <a:ext uri="{FF2B5EF4-FFF2-40B4-BE49-F238E27FC236}">
+                <a16:creationId xmlns:a16="http://schemas.microsoft.com/office/drawing/2014/main" id="{F4A6A5DE-25B8-58B8-5A46-711CABFC2ED2}"/>
+              </a:ext>
+            </a:extLst>
+          </p:cNvPr>
+          <p:cNvPicPr>
+            <a:picLocks noChangeAspect="1"/>
+          </p:cNvPicPr>
+          <p:nvPr/>
+        </p:nvPicPr>
+        <p:blipFill>
+          <a:blip r:embed="rId3"/>
+          <a:stretch>
+            <a:fillRect/>
+          </a:stretch>
+        </p:blipFill>
+        <p:spPr>
+          <a:xfrm>
+            <a:off x="940453" y="1746504"/>
+            <a:ext cx="4909242" cy="5111496"/>
+          </a:xfrm>
+          <a:prstGeom prst="rect">
+            <a:avLst/>
+          </a:prstGeom>
+        </p:spPr>
+      </p:pic>
+      <p:sp>
+        <p:nvSpPr>
+          <p:cNvPr id="2" name="Title 1">
+            <a:extLst>
+              <a:ext uri="{FF2B5EF4-FFF2-40B4-BE49-F238E27FC236}">
+                <a16:creationId xmlns:a16="http://schemas.microsoft.com/office/drawing/2014/main" id="{9EEE448A-FA83-AA63-87A2-0996F3D105A2}"/>
+              </a:ext>
+            </a:extLst>
+          </p:cNvPr>
+          <p:cNvSpPr>
+            <a:spLocks noGrp="1"/>
+          </p:cNvSpPr>
+          <p:nvPr>
+            <p:ph type="title"/>
+          </p:nvPr>
+        </p:nvSpPr>
+        <p:spPr>
+          <a:xfrm>
+            <a:off x="838200" y="0"/>
+            <a:ext cx="10515600" cy="1325563"/>
+          </a:xfrm>
+        </p:spPr>
+        <p:txBody>
+          <a:bodyPr/>
+          <a:lstStyle/>
+          <a:p>
+            <a:r>
+              <a:rPr lang="en-US" dirty="0"/>
+              <a:t>Efficiency as a function of Track Length</a:t>
+            </a:r>
+          </a:p>
+        </p:txBody>
+      </p:sp>
+      <p:sp>
+        <p:nvSpPr>
+          <p:cNvPr id="7" name="TextBox 6">
+            <a:extLst>
+              <a:ext uri="{FF2B5EF4-FFF2-40B4-BE49-F238E27FC236}">
+                <a16:creationId xmlns:a16="http://schemas.microsoft.com/office/drawing/2014/main" id="{638B493B-A66A-A1AF-2FB2-AF561F841F10}"/>
+              </a:ext>
+            </a:extLst>
+          </p:cNvPr>
+          <p:cNvSpPr txBox="1"/>
+          <p:nvPr/>
+        </p:nvSpPr>
+        <p:spPr>
+          <a:xfrm>
+            <a:off x="8041576" y="1212683"/>
+            <a:ext cx="1488677" cy="369332"/>
+          </a:xfrm>
+          <a:prstGeom prst="rect">
+            <a:avLst/>
+          </a:prstGeom>
+          <a:solidFill>
+            <a:schemeClr val="accent6">
+              <a:lumMod val="60000"/>
+              <a:lumOff val="40000"/>
+            </a:schemeClr>
+          </a:solidFill>
+        </p:spPr>
+        <p:txBody>
+          <a:bodyPr wrap="none" rtlCol="0">
+            <a:spAutoFit/>
+          </a:bodyPr>
+          <a:lstStyle/>
+          <a:p>
+            <a:r>
+              <a:rPr lang="en-US" dirty="0"/>
+              <a:t>West Cryostat</a:t>
+            </a:r>
+          </a:p>
+        </p:txBody>
+      </p:sp>
+      <p:sp>
+        <p:nvSpPr>
+          <p:cNvPr id="8" name="TextBox 7">
+            <a:extLst>
+              <a:ext uri="{FF2B5EF4-FFF2-40B4-BE49-F238E27FC236}">
+                <a16:creationId xmlns:a16="http://schemas.microsoft.com/office/drawing/2014/main" id="{E7CD1EDB-592F-D1FC-A33A-1F2F62E60A4B}"/>
+              </a:ext>
+            </a:extLst>
+          </p:cNvPr>
+          <p:cNvSpPr txBox="1"/>
+          <p:nvPr/>
+        </p:nvSpPr>
+        <p:spPr>
+          <a:xfrm>
+            <a:off x="2834825" y="1212683"/>
+            <a:ext cx="1395510" cy="369332"/>
+          </a:xfrm>
+          <a:prstGeom prst="rect">
+            <a:avLst/>
+          </a:prstGeom>
+          <a:solidFill>
+            <a:schemeClr val="accent2">
+              <a:lumMod val="60000"/>
+              <a:lumOff val="40000"/>
+            </a:schemeClr>
+          </a:solidFill>
+        </p:spPr>
+        <p:txBody>
+          <a:bodyPr wrap="none" rtlCol="0">
+            <a:spAutoFit/>
+          </a:bodyPr>
+          <a:lstStyle/>
+          <a:p>
+            <a:r>
+              <a:rPr lang="en-US" dirty="0"/>
+              <a:t>East Cryostat</a:t>
+            </a:r>
+          </a:p>
+        </p:txBody>
+      </p:sp>
+    </p:spTree>
+    <p:extLst>
+      <p:ext uri="{BB962C8B-B14F-4D97-AF65-F5344CB8AC3E}">
+        <p14:creationId xmlns:p14="http://schemas.microsoft.com/office/powerpoint/2010/main" val="861048401"/>
+      </p:ext>
+    </p:extLst>
+  </p:cSld>
+  <p:clrMapOvr>
+    <a:masterClrMapping/>
+  </p:clrMapOvr>
+</p:sld>
+</file>
+
 <file path=ppt/slides/slide2.xml><?xml version="1.0" encoding="utf-8"?>
 <p:sld xmlns:a="http://schemas.openxmlformats.org/drawingml/2006/main" xmlns:r="http://schemas.openxmlformats.org/officeDocument/2006/relationships" xmlns:p="http://schemas.openxmlformats.org/presentationml/2006/main">
   <p:cSld>
@@ -4583,7 +4990,7 @@
           <p:cNvPr id="2" name="Title 1">
             <a:extLst>
               <a:ext uri="{FF2B5EF4-FFF2-40B4-BE49-F238E27FC236}">
-                <a16:creationId xmlns:a16="http://schemas.microsoft.com/office/drawing/2014/main" id="{40037165-3F64-4325-6F7B-0A0DDC9061E7}"/>
+                <a16:creationId xmlns:a16="http://schemas.microsoft.com/office/drawing/2014/main" id="{E8F74A99-DED2-E0C1-9298-ADECBA144FA8}"/>
               </a:ext>
             </a:extLst>
           </p:cNvPr>
@@ -4601,78 +5008,347 @@
           <a:p>
             <a:r>
               <a:rPr lang="en-US" dirty="0"/>
-              <a:t>Run 8650 – First Pass</a:t>
-            </a:r>
-          </a:p>
-        </p:txBody>
-      </p:sp>
-      <p:sp>
-        <p:nvSpPr>
-          <p:cNvPr id="3" name="Text Placeholder 2">
-            <a:extLst>
-              <a:ext uri="{FF2B5EF4-FFF2-40B4-BE49-F238E27FC236}">
-                <a16:creationId xmlns:a16="http://schemas.microsoft.com/office/drawing/2014/main" id="{B5387BF0-32D3-F120-9206-97F5A56B7B02}"/>
-              </a:ext>
-            </a:extLst>
-          </p:cNvPr>
-          <p:cNvSpPr>
-            <a:spLocks noGrp="1"/>
-          </p:cNvSpPr>
-          <p:nvPr>
-            <p:ph type="body" idx="1"/>
-          </p:nvPr>
-        </p:nvSpPr>
-        <p:spPr/>
-        <p:txBody>
-          <a:bodyPr/>
+              <a:t>Run 8650 Details</a:t>
+            </a:r>
+          </a:p>
+        </p:txBody>
+      </p:sp>
+      <p:sp>
+        <p:nvSpPr>
+          <p:cNvPr id="3" name="Content Placeholder 2">
+            <a:extLst>
+              <a:ext uri="{FF2B5EF4-FFF2-40B4-BE49-F238E27FC236}">
+                <a16:creationId xmlns:a16="http://schemas.microsoft.com/office/drawing/2014/main" id="{2CB074AD-DDC4-D390-049C-C0292401D012}"/>
+              </a:ext>
+            </a:extLst>
+          </p:cNvPr>
+          <p:cNvSpPr>
+            <a:spLocks noGrp="1"/>
+          </p:cNvSpPr>
+          <p:nvPr>
+            <p:ph idx="1"/>
+          </p:nvPr>
+        </p:nvSpPr>
+        <p:spPr>
+          <a:xfrm>
+            <a:off x="838200" y="1388962"/>
+            <a:ext cx="10515600" cy="4788001"/>
+          </a:xfrm>
+        </p:spPr>
+        <p:txBody>
+          <a:bodyPr>
+            <a:normAutofit lnSpcReduction="10000"/>
+          </a:bodyPr>
           <a:lstStyle/>
           <a:p>
             <a:r>
               <a:rPr lang="en-US" dirty="0"/>
-              <a:t>(-15, 5) emulation window</a:t>
+              <a:t>Run 8650 and 7232 are both minimum bias runs</a:t>
             </a:r>
           </a:p>
           <a:p>
             <a:r>
               <a:rPr lang="en-US" dirty="0"/>
-              <a:t>4 µs shift not corrected</a:t>
-            </a:r>
-          </a:p>
-        </p:txBody>
-      </p:sp>
-      <p:sp>
-        <p:nvSpPr>
-          <p:cNvPr id="4" name="Slide Number Placeholder 3">
-            <a:extLst>
-              <a:ext uri="{FF2B5EF4-FFF2-40B4-BE49-F238E27FC236}">
-                <a16:creationId xmlns:a16="http://schemas.microsoft.com/office/drawing/2014/main" id="{0B8F01B2-F8D1-DFEB-E330-7D7F5E797772}"/>
-              </a:ext>
-            </a:extLst>
-          </p:cNvPr>
-          <p:cNvSpPr>
-            <a:spLocks noGrp="1"/>
-          </p:cNvSpPr>
-          <p:nvPr>
-            <p:ph type="sldNum" sz="quarter" idx="12"/>
-          </p:nvPr>
-        </p:nvSpPr>
-        <p:spPr/>
-        <p:txBody>
-          <a:bodyPr/>
-          <a:lstStyle/>
-          <a:p>
-            <a:fld id="{3C42EEBA-2012-6844-9078-D8C4990BCEAD}" type="slidenum">
-              <a:rPr lang="en-US" smtClean="0"/>
-              <a:t>2</a:t>
-            </a:fld>
+              <a:t>PMT readout window is (-69 µs, 117 µs) – wider than the previous     (-75µs, 75µs)</a:t>
+            </a:r>
+          </a:p>
+          <a:p>
+            <a:r>
+              <a:rPr lang="en-US" dirty="0"/>
+              <a:t>Run statistics (number of tracks) are as follows:</a:t>
+            </a:r>
+          </a:p>
+          <a:p>
             <a:endParaRPr lang="en-US" dirty="0"/>
           </a:p>
-        </p:txBody>
-      </p:sp>
+          <a:p>
+            <a:endParaRPr lang="en-US" dirty="0"/>
+          </a:p>
+          <a:p>
+            <a:endParaRPr lang="en-US" dirty="0"/>
+          </a:p>
+          <a:p>
+            <a:r>
+              <a:rPr lang="en-US" dirty="0"/>
+              <a:t>We do not use the reconstructed flashes for the trigger efficiency analysis</a:t>
+            </a:r>
+          </a:p>
+          <a:p>
+            <a:r>
+              <a:rPr lang="en-US" dirty="0"/>
+              <a:t>Trigger emulation window selection: (-15µs, 5µs) in the West cryostat and (-20µs, 0µs) in the East cryostat</a:t>
+            </a:r>
+          </a:p>
+          <a:p>
+            <a:endParaRPr lang="en-US" dirty="0"/>
+          </a:p>
+        </p:txBody>
+      </p:sp>
+      <p:graphicFrame>
+        <p:nvGraphicFramePr>
+          <p:cNvPr id="4" name="Table 3">
+            <a:extLst>
+              <a:ext uri="{FF2B5EF4-FFF2-40B4-BE49-F238E27FC236}">
+                <a16:creationId xmlns:a16="http://schemas.microsoft.com/office/drawing/2014/main" id="{EDA36402-DAB4-4840-B664-E286BE2961B6}"/>
+              </a:ext>
+            </a:extLst>
+          </p:cNvPr>
+          <p:cNvGraphicFramePr>
+            <a:graphicFrameLocks noGrp="1"/>
+          </p:cNvGraphicFramePr>
+          <p:nvPr/>
+        </p:nvGraphicFramePr>
+        <p:xfrm>
+          <a:off x="2300357" y="3129765"/>
+          <a:ext cx="6714435" cy="1371600"/>
+        </p:xfrm>
+        <a:graphic>
+          <a:graphicData uri="http://schemas.openxmlformats.org/drawingml/2006/table">
+            <a:tbl>
+              <a:tblPr firstRow="1" bandRow="1">
+                <a:tableStyleId>{5C22544A-7EE6-4342-B048-85BDC9FD1C3A}</a:tableStyleId>
+              </a:tblPr>
+              <a:tblGrid>
+                <a:gridCol w="2238145">
+                  <a:extLst>
+                    <a:ext uri="{9D8B030D-6E8A-4147-A177-3AD203B41FA5}">
+                      <a16:colId xmlns:a16="http://schemas.microsoft.com/office/drawing/2014/main" val="1420328394"/>
+                    </a:ext>
+                  </a:extLst>
+                </a:gridCol>
+                <a:gridCol w="2238145">
+                  <a:extLst>
+                    <a:ext uri="{9D8B030D-6E8A-4147-A177-3AD203B41FA5}">
+                      <a16:colId xmlns:a16="http://schemas.microsoft.com/office/drawing/2014/main" val="3255275622"/>
+                    </a:ext>
+                  </a:extLst>
+                </a:gridCol>
+                <a:gridCol w="2238145">
+                  <a:extLst>
+                    <a:ext uri="{9D8B030D-6E8A-4147-A177-3AD203B41FA5}">
+                      <a16:colId xmlns:a16="http://schemas.microsoft.com/office/drawing/2014/main" val="2202835274"/>
+                    </a:ext>
+                  </a:extLst>
+                </a:gridCol>
+              </a:tblGrid>
+              <a:tr h="421110">
+                <a:tc>
+                  <a:txBody>
+                    <a:bodyPr/>
+                    <a:lstStyle/>
+                    <a:p>
+                      <a:endParaRPr lang="en-US" sz="2400" dirty="0"/>
+                    </a:p>
+                  </a:txBody>
+                  <a:tcPr>
+                    <a:solidFill>
+                      <a:schemeClr val="bg1"/>
+                    </a:solidFill>
+                  </a:tcPr>
+                </a:tc>
+                <a:tc>
+                  <a:txBody>
+                    <a:bodyPr/>
+                    <a:lstStyle/>
+                    <a:p>
+                      <a:pPr algn="ctr"/>
+                      <a:r>
+                        <a:rPr lang="en-US" sz="2400" dirty="0">
+                          <a:solidFill>
+                            <a:schemeClr val="tx1"/>
+                          </a:solidFill>
+                        </a:rPr>
+                        <a:t>East Cryostat</a:t>
+                      </a:r>
+                    </a:p>
+                  </a:txBody>
+                  <a:tcPr>
+                    <a:solidFill>
+                      <a:schemeClr val="accent1">
+                        <a:lumMod val="60000"/>
+                        <a:lumOff val="40000"/>
+                      </a:schemeClr>
+                    </a:solidFill>
+                  </a:tcPr>
+                </a:tc>
+                <a:tc>
+                  <a:txBody>
+                    <a:bodyPr/>
+                    <a:lstStyle/>
+                    <a:p>
+                      <a:pPr algn="ctr"/>
+                      <a:r>
+                        <a:rPr lang="en-US" sz="2400" dirty="0">
+                          <a:solidFill>
+                            <a:schemeClr val="tx1"/>
+                          </a:solidFill>
+                        </a:rPr>
+                        <a:t>West Cryostat</a:t>
+                      </a:r>
+                    </a:p>
+                  </a:txBody>
+                  <a:tcPr>
+                    <a:solidFill>
+                      <a:schemeClr val="accent1">
+                        <a:lumMod val="60000"/>
+                        <a:lumOff val="40000"/>
+                      </a:schemeClr>
+                    </a:solidFill>
+                  </a:tcPr>
+                </a:tc>
+                <a:extLst>
+                  <a:ext uri="{0D108BD9-81ED-4DB2-BD59-A6C34878D82A}">
+                    <a16:rowId xmlns:a16="http://schemas.microsoft.com/office/drawing/2014/main" val="534065927"/>
+                  </a:ext>
+                </a:extLst>
+              </a:tr>
+              <a:tr h="421110">
+                <a:tc>
+                  <a:txBody>
+                    <a:bodyPr/>
+                    <a:lstStyle/>
+                    <a:p>
+                      <a:pPr algn="ctr"/>
+                      <a:r>
+                        <a:rPr lang="en-US" sz="2400" b="1" dirty="0"/>
+                        <a:t>Run </a:t>
+                      </a:r>
+                      <a:r>
+                        <a:rPr lang="en-US" sz="2400" b="1" kern="1200" dirty="0">
+                          <a:solidFill>
+                            <a:schemeClr val="dk1"/>
+                          </a:solidFill>
+                          <a:latin typeface="+mn-lt"/>
+                          <a:ea typeface="+mn-ea"/>
+                          <a:cs typeface="+mn-cs"/>
+                        </a:rPr>
+                        <a:t>7232</a:t>
+                      </a:r>
+                    </a:p>
+                  </a:txBody>
+                  <a:tcPr>
+                    <a:solidFill>
+                      <a:schemeClr val="accent1">
+                        <a:lumMod val="60000"/>
+                        <a:lumOff val="40000"/>
+                      </a:schemeClr>
+                    </a:solidFill>
+                  </a:tcPr>
+                </a:tc>
+                <a:tc>
+                  <a:txBody>
+                    <a:bodyPr/>
+                    <a:lstStyle/>
+                    <a:p>
+                      <a:pPr algn="ctr"/>
+                      <a:r>
+                        <a:rPr lang="en-US" sz="2400" dirty="0"/>
+                        <a:t>12561</a:t>
+                      </a:r>
+                    </a:p>
+                  </a:txBody>
+                  <a:tcPr>
+                    <a:solidFill>
+                      <a:schemeClr val="bg1"/>
+                    </a:solidFill>
+                  </a:tcPr>
+                </a:tc>
+                <a:tc>
+                  <a:txBody>
+                    <a:bodyPr/>
+                    <a:lstStyle/>
+                    <a:p>
+                      <a:pPr algn="ctr"/>
+                      <a:r>
+                        <a:rPr lang="en-US" sz="2400" dirty="0"/>
+                        <a:t>16233</a:t>
+                      </a:r>
+                    </a:p>
+                  </a:txBody>
+                  <a:tcPr>
+                    <a:solidFill>
+                      <a:schemeClr val="bg1"/>
+                    </a:solidFill>
+                  </a:tcPr>
+                </a:tc>
+                <a:extLst>
+                  <a:ext uri="{0D108BD9-81ED-4DB2-BD59-A6C34878D82A}">
+                    <a16:rowId xmlns:a16="http://schemas.microsoft.com/office/drawing/2014/main" val="4049531263"/>
+                  </a:ext>
+                </a:extLst>
+              </a:tr>
+              <a:tr h="421110">
+                <a:tc>
+                  <a:txBody>
+                    <a:bodyPr/>
+                    <a:lstStyle/>
+                    <a:p>
+                      <a:pPr algn="ctr"/>
+                      <a:r>
+                        <a:rPr lang="en-US" sz="2400" b="1" dirty="0"/>
+                        <a:t>Run 8650</a:t>
+                      </a:r>
+                    </a:p>
+                  </a:txBody>
+                  <a:tcPr>
+                    <a:solidFill>
+                      <a:schemeClr val="accent1">
+                        <a:lumMod val="60000"/>
+                        <a:lumOff val="40000"/>
+                      </a:schemeClr>
+                    </a:solidFill>
+                  </a:tcPr>
+                </a:tc>
+                <a:tc>
+                  <a:txBody>
+                    <a:bodyPr/>
+                    <a:lstStyle/>
+                    <a:p>
+                      <a:pPr algn="ctr"/>
+                      <a:r>
+                        <a:rPr lang="en-US" sz="2400" dirty="0"/>
+                        <a:t>16203</a:t>
+                      </a:r>
+                    </a:p>
+                  </a:txBody>
+                  <a:tcPr>
+                    <a:solidFill>
+                      <a:schemeClr val="bg1"/>
+                    </a:solidFill>
+                  </a:tcPr>
+                </a:tc>
+                <a:tc>
+                  <a:txBody>
+                    <a:bodyPr/>
+                    <a:lstStyle/>
+                    <a:p>
+                      <a:pPr algn="ctr"/>
+                      <a:r>
+                        <a:rPr lang="en-US" sz="2400" dirty="0"/>
+                        <a:t>19826</a:t>
+                      </a:r>
+                    </a:p>
+                  </a:txBody>
+                  <a:tcPr>
+                    <a:solidFill>
+                      <a:schemeClr val="bg1"/>
+                    </a:solidFill>
+                  </a:tcPr>
+                </a:tc>
+                <a:extLst>
+                  <a:ext uri="{0D108BD9-81ED-4DB2-BD59-A6C34878D82A}">
+                    <a16:rowId xmlns:a16="http://schemas.microsoft.com/office/drawing/2014/main" val="1664906048"/>
+                  </a:ext>
+                </a:extLst>
+              </a:tr>
+            </a:tbl>
+          </a:graphicData>
+        </a:graphic>
+      </p:graphicFrame>
     </p:spTree>
     <p:extLst>
       <p:ext uri="{BB962C8B-B14F-4D97-AF65-F5344CB8AC3E}">
-        <p14:creationId xmlns:p14="http://schemas.microsoft.com/office/powerpoint/2010/main" val="2948775988"/>
+        <p14:creationId xmlns:p14="http://schemas.microsoft.com/office/powerpoint/2010/main" val="3151806359"/>
       </p:ext>
     </p:extLst>
   </p:cSld>
@@ -4699,12 +5375,276 @@
           <a:chExt cx="0" cy="0"/>
         </a:xfrm>
       </p:grpSpPr>
+      <p:sp>
+        <p:nvSpPr>
+          <p:cNvPr id="2" name="Title 1">
+            <a:extLst>
+              <a:ext uri="{FF2B5EF4-FFF2-40B4-BE49-F238E27FC236}">
+                <a16:creationId xmlns:a16="http://schemas.microsoft.com/office/drawing/2014/main" id="{4C72CDA7-F90E-8BD1-E6EE-82BE3EF24FC0}"/>
+              </a:ext>
+            </a:extLst>
+          </p:cNvPr>
+          <p:cNvSpPr>
+            <a:spLocks noGrp="1"/>
+          </p:cNvSpPr>
+          <p:nvPr>
+            <p:ph type="title"/>
+          </p:nvPr>
+        </p:nvSpPr>
+        <p:spPr/>
+        <p:txBody>
+          <a:bodyPr/>
+          <a:lstStyle/>
+          <a:p>
+            <a:r>
+              <a:rPr lang="en-US" dirty="0"/>
+              <a:t>Trigger Emulation Windows</a:t>
+            </a:r>
+          </a:p>
+        </p:txBody>
+      </p:sp>
       <p:pic>
         <p:nvPicPr>
-          <p:cNvPr id="3" name="Picture 2">
-            <a:extLst>
-              <a:ext uri="{FF2B5EF4-FFF2-40B4-BE49-F238E27FC236}">
-                <a16:creationId xmlns:a16="http://schemas.microsoft.com/office/drawing/2014/main" id="{E8E2A52D-9700-18E7-46BA-4A5CC6A9803D}"/>
+          <p:cNvPr id="5" name="Content Placeholder 4" descr="Chart, histogram&#10;&#10;Description automatically generated">
+            <a:extLst>
+              <a:ext uri="{FF2B5EF4-FFF2-40B4-BE49-F238E27FC236}">
+                <a16:creationId xmlns:a16="http://schemas.microsoft.com/office/drawing/2014/main" id="{B072B1E1-9A57-9EAE-FC36-9FAA0E8F2FCA}"/>
+              </a:ext>
+            </a:extLst>
+          </p:cNvPr>
+          <p:cNvPicPr>
+            <a:picLocks noGrp="1" noChangeAspect="1"/>
+          </p:cNvPicPr>
+          <p:nvPr>
+            <p:ph idx="1"/>
+          </p:nvPr>
+        </p:nvPicPr>
+        <p:blipFill>
+          <a:blip r:embed="rId2"/>
+          <a:stretch>
+            <a:fillRect/>
+          </a:stretch>
+        </p:blipFill>
+        <p:spPr>
+          <a:xfrm>
+            <a:off x="5866041" y="2240714"/>
+            <a:ext cx="5487759" cy="3799790"/>
+          </a:xfrm>
+        </p:spPr>
+      </p:pic>
+      <p:cxnSp>
+        <p:nvCxnSpPr>
+          <p:cNvPr id="9" name="Straight Connector 8">
+            <a:extLst>
+              <a:ext uri="{FF2B5EF4-FFF2-40B4-BE49-F238E27FC236}">
+                <a16:creationId xmlns:a16="http://schemas.microsoft.com/office/drawing/2014/main" id="{5BBCF96E-C5D9-B5A3-B1CC-2B315AFEAFF1}"/>
+              </a:ext>
+            </a:extLst>
+          </p:cNvPr>
+          <p:cNvCxnSpPr>
+            <a:cxnSpLocks/>
+          </p:cNvCxnSpPr>
+          <p:nvPr/>
+        </p:nvCxnSpPr>
+        <p:spPr>
+          <a:xfrm>
+            <a:off x="8248204" y="2449411"/>
+            <a:ext cx="0" cy="3248080"/>
+          </a:xfrm>
+          <a:prstGeom prst="line">
+            <a:avLst/>
+          </a:prstGeom>
+          <a:ln w="38100">
+            <a:solidFill>
+              <a:schemeClr val="accent2"/>
+            </a:solidFill>
+          </a:ln>
+        </p:spPr>
+        <p:style>
+          <a:lnRef idx="1">
+            <a:schemeClr val="accent2"/>
+          </a:lnRef>
+          <a:fillRef idx="0">
+            <a:schemeClr val="accent2"/>
+          </a:fillRef>
+          <a:effectRef idx="0">
+            <a:schemeClr val="accent2"/>
+          </a:effectRef>
+          <a:fontRef idx="minor">
+            <a:schemeClr val="tx1"/>
+          </a:fontRef>
+        </p:style>
+      </p:cxnSp>
+      <p:cxnSp>
+        <p:nvCxnSpPr>
+          <p:cNvPr id="12" name="Straight Connector 11">
+            <a:extLst>
+              <a:ext uri="{FF2B5EF4-FFF2-40B4-BE49-F238E27FC236}">
+                <a16:creationId xmlns:a16="http://schemas.microsoft.com/office/drawing/2014/main" id="{ADA9E67E-B678-1739-E9B3-550C5CD2075E}"/>
+              </a:ext>
+            </a:extLst>
+          </p:cNvPr>
+          <p:cNvCxnSpPr>
+            <a:cxnSpLocks/>
+          </p:cNvCxnSpPr>
+          <p:nvPr/>
+        </p:nvCxnSpPr>
+        <p:spPr>
+          <a:xfrm>
+            <a:off x="9742482" y="2449411"/>
+            <a:ext cx="0" cy="3248080"/>
+          </a:xfrm>
+          <a:prstGeom prst="line">
+            <a:avLst/>
+          </a:prstGeom>
+          <a:ln w="38100">
+            <a:solidFill>
+              <a:schemeClr val="accent2"/>
+            </a:solidFill>
+          </a:ln>
+        </p:spPr>
+        <p:style>
+          <a:lnRef idx="1">
+            <a:schemeClr val="accent2"/>
+          </a:lnRef>
+          <a:fillRef idx="0">
+            <a:schemeClr val="accent2"/>
+          </a:fillRef>
+          <a:effectRef idx="0">
+            <a:schemeClr val="accent2"/>
+          </a:effectRef>
+          <a:fontRef idx="minor">
+            <a:schemeClr val="tx1"/>
+          </a:fontRef>
+        </p:style>
+      </p:cxnSp>
+      <p:cxnSp>
+        <p:nvCxnSpPr>
+          <p:cNvPr id="13" name="Straight Connector 12">
+            <a:extLst>
+              <a:ext uri="{FF2B5EF4-FFF2-40B4-BE49-F238E27FC236}">
+                <a16:creationId xmlns:a16="http://schemas.microsoft.com/office/drawing/2014/main" id="{8235946F-979D-52B5-5F9E-0C07158F0987}"/>
+              </a:ext>
+            </a:extLst>
+          </p:cNvPr>
+          <p:cNvCxnSpPr>
+            <a:cxnSpLocks/>
+          </p:cNvCxnSpPr>
+          <p:nvPr/>
+        </p:nvCxnSpPr>
+        <p:spPr>
+          <a:xfrm>
+            <a:off x="7860298" y="2449411"/>
+            <a:ext cx="0" cy="3248080"/>
+          </a:xfrm>
+          <a:prstGeom prst="line">
+            <a:avLst/>
+          </a:prstGeom>
+          <a:ln w="38100">
+            <a:solidFill>
+              <a:schemeClr val="accent1"/>
+            </a:solidFill>
+          </a:ln>
+        </p:spPr>
+        <p:style>
+          <a:lnRef idx="1">
+            <a:schemeClr val="accent2"/>
+          </a:lnRef>
+          <a:fillRef idx="0">
+            <a:schemeClr val="accent2"/>
+          </a:fillRef>
+          <a:effectRef idx="0">
+            <a:schemeClr val="accent2"/>
+          </a:effectRef>
+          <a:fontRef idx="minor">
+            <a:schemeClr val="tx1"/>
+          </a:fontRef>
+        </p:style>
+      </p:cxnSp>
+      <p:cxnSp>
+        <p:nvCxnSpPr>
+          <p:cNvPr id="14" name="Straight Connector 13">
+            <a:extLst>
+              <a:ext uri="{FF2B5EF4-FFF2-40B4-BE49-F238E27FC236}">
+                <a16:creationId xmlns:a16="http://schemas.microsoft.com/office/drawing/2014/main" id="{81305325-92F7-22EE-9422-F3A66EB27631}"/>
+              </a:ext>
+            </a:extLst>
+          </p:cNvPr>
+          <p:cNvCxnSpPr>
+            <a:cxnSpLocks/>
+          </p:cNvCxnSpPr>
+          <p:nvPr/>
+        </p:nvCxnSpPr>
+        <p:spPr>
+          <a:xfrm>
+            <a:off x="9396472" y="2449411"/>
+            <a:ext cx="0" cy="3248080"/>
+          </a:xfrm>
+          <a:prstGeom prst="line">
+            <a:avLst/>
+          </a:prstGeom>
+          <a:ln w="38100">
+            <a:solidFill>
+              <a:schemeClr val="accent1"/>
+            </a:solidFill>
+          </a:ln>
+        </p:spPr>
+        <p:style>
+          <a:lnRef idx="1">
+            <a:schemeClr val="accent2"/>
+          </a:lnRef>
+          <a:fillRef idx="0">
+            <a:schemeClr val="accent2"/>
+          </a:fillRef>
+          <a:effectRef idx="0">
+            <a:schemeClr val="accent2"/>
+          </a:effectRef>
+          <a:fontRef idx="minor">
+            <a:schemeClr val="tx1"/>
+          </a:fontRef>
+        </p:style>
+      </p:cxnSp>
+      <p:sp>
+        <p:nvSpPr>
+          <p:cNvPr id="15" name="TextBox 14">
+            <a:extLst>
+              <a:ext uri="{FF2B5EF4-FFF2-40B4-BE49-F238E27FC236}">
+                <a16:creationId xmlns:a16="http://schemas.microsoft.com/office/drawing/2014/main" id="{7BDE5EA1-D758-93BA-5056-53E2A38BEA80}"/>
+              </a:ext>
+            </a:extLst>
+          </p:cNvPr>
+          <p:cNvSpPr txBox="1"/>
+          <p:nvPr/>
+        </p:nvSpPr>
+        <p:spPr>
+          <a:xfrm>
+            <a:off x="838200" y="1367522"/>
+            <a:ext cx="10049607" cy="646331"/>
+          </a:xfrm>
+          <a:prstGeom prst="rect">
+            <a:avLst/>
+          </a:prstGeom>
+          <a:noFill/>
+        </p:spPr>
+        <p:txBody>
+          <a:bodyPr wrap="square" rtlCol="0">
+            <a:spAutoFit/>
+          </a:bodyPr>
+          <a:lstStyle/>
+          <a:p>
+            <a:r>
+              <a:rPr lang="en-US" dirty="0"/>
+              <a:t>Selected the blue emulation window (-15µs, 5µs) for the East cryostat and the orange emulation window (-20µs, 0µs) for the West cryostat</a:t>
+            </a:r>
+          </a:p>
+        </p:txBody>
+      </p:sp>
+      <p:pic>
+        <p:nvPicPr>
+          <p:cNvPr id="4" name="Picture 3">
+            <a:extLst>
+              <a:ext uri="{FF2B5EF4-FFF2-40B4-BE49-F238E27FC236}">
+                <a16:creationId xmlns:a16="http://schemas.microsoft.com/office/drawing/2014/main" id="{C50DBDB7-588A-2DF5-BC0D-D5D7C55F03FA}"/>
               </a:ext>
             </a:extLst>
           </p:cNvPr>
@@ -4721,173 +5661,190 @@
         </p:blipFill>
         <p:spPr>
           <a:xfrm>
-            <a:off x="6184557" y="2505075"/>
-            <a:ext cx="4315541" cy="4254328"/>
+            <a:off x="1" y="1937013"/>
+            <a:ext cx="6435968" cy="4290646"/>
           </a:xfrm>
           <a:prstGeom prst="rect">
             <a:avLst/>
           </a:prstGeom>
         </p:spPr>
       </p:pic>
-      <p:pic>
-        <p:nvPicPr>
-          <p:cNvPr id="6" name="Picture 5">
-            <a:extLst>
-              <a:ext uri="{FF2B5EF4-FFF2-40B4-BE49-F238E27FC236}">
-                <a16:creationId xmlns:a16="http://schemas.microsoft.com/office/drawing/2014/main" id="{FAC94240-09A9-AD44-88CA-E014687F07D4}"/>
-              </a:ext>
-            </a:extLst>
-          </p:cNvPr>
-          <p:cNvPicPr>
-            <a:picLocks noChangeAspect="1"/>
-          </p:cNvPicPr>
+      <p:cxnSp>
+        <p:nvCxnSpPr>
+          <p:cNvPr id="11" name="Straight Connector 10">
+            <a:extLst>
+              <a:ext uri="{FF2B5EF4-FFF2-40B4-BE49-F238E27FC236}">
+                <a16:creationId xmlns:a16="http://schemas.microsoft.com/office/drawing/2014/main" id="{495EAD64-4E9A-0B34-0A54-70D2DB1C7E56}"/>
+              </a:ext>
+            </a:extLst>
+          </p:cNvPr>
+          <p:cNvCxnSpPr>
+            <a:cxnSpLocks/>
+          </p:cNvCxnSpPr>
           <p:nvPr/>
-        </p:nvPicPr>
-        <p:blipFill>
-          <a:blip r:embed="rId4"/>
-          <a:stretch>
-            <a:fillRect/>
-          </a:stretch>
-        </p:blipFill>
+        </p:nvCxnSpPr>
         <p:spPr>
           <a:xfrm>
-            <a:off x="788079" y="2505075"/>
-            <a:ext cx="4315541" cy="4254328"/>
+            <a:off x="2730216" y="2449411"/>
+            <a:ext cx="0" cy="3248080"/>
           </a:xfrm>
-          <a:prstGeom prst="rect">
+          <a:prstGeom prst="line">
             <a:avLst/>
           </a:prstGeom>
+          <a:ln w="38100">
+            <a:solidFill>
+              <a:schemeClr val="accent2"/>
+            </a:solidFill>
+          </a:ln>
         </p:spPr>
-      </p:pic>
-      <p:sp>
-        <p:nvSpPr>
-          <p:cNvPr id="8" name="Title 7">
-            <a:extLst>
-              <a:ext uri="{FF2B5EF4-FFF2-40B4-BE49-F238E27FC236}">
-                <a16:creationId xmlns:a16="http://schemas.microsoft.com/office/drawing/2014/main" id="{5CE73A5B-48A9-F9FF-58B0-3361D7C5E9CE}"/>
-              </a:ext>
-            </a:extLst>
-          </p:cNvPr>
-          <p:cNvSpPr>
-            <a:spLocks noGrp="1"/>
-          </p:cNvSpPr>
-          <p:nvPr>
-            <p:ph type="title"/>
-          </p:nvPr>
-        </p:nvSpPr>
-        <p:spPr/>
-        <p:txBody>
-          <a:bodyPr/>
-          <a:lstStyle/>
-          <a:p>
-            <a:r>
-              <a:rPr lang="en-US" dirty="0"/>
-              <a:t>At first glance, much worse efficiency than old sample (in </a:t>
-            </a:r>
-            <a:r>
-              <a:rPr lang="en-US" dirty="0">
-                <a:solidFill>
-                  <a:schemeClr val="accent6"/>
-                </a:solidFill>
-              </a:rPr>
-              <a:t>West</a:t>
-            </a:r>
-            <a:r>
-              <a:rPr lang="en-US" dirty="0"/>
-              <a:t> cryostat)</a:t>
-            </a:r>
-          </a:p>
-        </p:txBody>
-      </p:sp>
-      <p:sp>
-        <p:nvSpPr>
-          <p:cNvPr id="9" name="Text Placeholder 8">
-            <a:extLst>
-              <a:ext uri="{FF2B5EF4-FFF2-40B4-BE49-F238E27FC236}">
-                <a16:creationId xmlns:a16="http://schemas.microsoft.com/office/drawing/2014/main" id="{1C9D11B3-776D-4C0B-39EB-0BA0AB10CEBB}"/>
-              </a:ext>
-            </a:extLst>
-          </p:cNvPr>
-          <p:cNvSpPr>
-            <a:spLocks noGrp="1"/>
-          </p:cNvSpPr>
-          <p:nvPr>
-            <p:ph type="body" idx="1"/>
-          </p:nvPr>
-        </p:nvSpPr>
-        <p:spPr/>
-        <p:txBody>
-          <a:bodyPr/>
-          <a:lstStyle/>
-          <a:p>
-            <a:r>
-              <a:rPr lang="en-US" dirty="0"/>
-              <a:t>Run 7232</a:t>
-            </a:r>
-          </a:p>
-        </p:txBody>
-      </p:sp>
-      <p:sp>
-        <p:nvSpPr>
-          <p:cNvPr id="11" name="Text Placeholder 10">
-            <a:extLst>
-              <a:ext uri="{FF2B5EF4-FFF2-40B4-BE49-F238E27FC236}">
-                <a16:creationId xmlns:a16="http://schemas.microsoft.com/office/drawing/2014/main" id="{1D082156-A883-BEF4-D354-FEEFA8EF3B14}"/>
-              </a:ext>
-            </a:extLst>
-          </p:cNvPr>
-          <p:cNvSpPr>
-            <a:spLocks noGrp="1"/>
-          </p:cNvSpPr>
-          <p:nvPr>
-            <p:ph type="body" sz="quarter" idx="3"/>
-          </p:nvPr>
-        </p:nvSpPr>
-        <p:spPr/>
-        <p:txBody>
-          <a:bodyPr/>
-          <a:lstStyle/>
-          <a:p>
-            <a:r>
-              <a:rPr lang="en-US" dirty="0"/>
-              <a:t>Run 8650, volumes 0-2</a:t>
-            </a:r>
-          </a:p>
-        </p:txBody>
-      </p:sp>
-      <p:sp>
-        <p:nvSpPr>
-          <p:cNvPr id="4" name="Slide Number Placeholder 3">
-            <a:extLst>
-              <a:ext uri="{FF2B5EF4-FFF2-40B4-BE49-F238E27FC236}">
-                <a16:creationId xmlns:a16="http://schemas.microsoft.com/office/drawing/2014/main" id="{893B94FB-8646-F330-B324-2FE9E913EBDA}"/>
-              </a:ext>
-            </a:extLst>
-          </p:cNvPr>
-          <p:cNvSpPr>
-            <a:spLocks noGrp="1"/>
-          </p:cNvSpPr>
-          <p:nvPr>
-            <p:ph type="sldNum" sz="quarter" idx="12"/>
-          </p:nvPr>
-        </p:nvSpPr>
-        <p:spPr/>
-        <p:txBody>
-          <a:bodyPr/>
-          <a:lstStyle/>
-          <a:p>
-            <a:fld id="{3C42EEBA-2012-6844-9078-D8C4990BCEAD}" type="slidenum">
-              <a:rPr lang="en-US" smtClean="0"/>
-              <a:t>3</a:t>
-            </a:fld>
-            <a:endParaRPr lang="en-US" dirty="0"/>
-          </a:p>
-        </p:txBody>
-      </p:sp>
+        <p:style>
+          <a:lnRef idx="1">
+            <a:schemeClr val="accent2"/>
+          </a:lnRef>
+          <a:fillRef idx="0">
+            <a:schemeClr val="accent2"/>
+          </a:fillRef>
+          <a:effectRef idx="0">
+            <a:schemeClr val="accent2"/>
+          </a:effectRef>
+          <a:fontRef idx="minor">
+            <a:schemeClr val="tx1"/>
+          </a:fontRef>
+        </p:style>
+      </p:cxnSp>
+      <p:cxnSp>
+        <p:nvCxnSpPr>
+          <p:cNvPr id="16" name="Straight Connector 15">
+            <a:extLst>
+              <a:ext uri="{FF2B5EF4-FFF2-40B4-BE49-F238E27FC236}">
+                <a16:creationId xmlns:a16="http://schemas.microsoft.com/office/drawing/2014/main" id="{5037B08F-6A3F-3F68-08E5-2FA1F58B5DDA}"/>
+              </a:ext>
+            </a:extLst>
+          </p:cNvPr>
+          <p:cNvCxnSpPr>
+            <a:cxnSpLocks/>
+          </p:cNvCxnSpPr>
+          <p:nvPr/>
+        </p:nvCxnSpPr>
+        <p:spPr>
+          <a:xfrm>
+            <a:off x="4224494" y="2449411"/>
+            <a:ext cx="0" cy="3248080"/>
+          </a:xfrm>
+          <a:prstGeom prst="line">
+            <a:avLst/>
+          </a:prstGeom>
+          <a:ln w="38100">
+            <a:solidFill>
+              <a:schemeClr val="accent2"/>
+            </a:solidFill>
+          </a:ln>
+        </p:spPr>
+        <p:style>
+          <a:lnRef idx="1">
+            <a:schemeClr val="accent2"/>
+          </a:lnRef>
+          <a:fillRef idx="0">
+            <a:schemeClr val="accent2"/>
+          </a:fillRef>
+          <a:effectRef idx="0">
+            <a:schemeClr val="accent2"/>
+          </a:effectRef>
+          <a:fontRef idx="minor">
+            <a:schemeClr val="tx1"/>
+          </a:fontRef>
+        </p:style>
+      </p:cxnSp>
+      <p:cxnSp>
+        <p:nvCxnSpPr>
+          <p:cNvPr id="17" name="Straight Connector 16">
+            <a:extLst>
+              <a:ext uri="{FF2B5EF4-FFF2-40B4-BE49-F238E27FC236}">
+                <a16:creationId xmlns:a16="http://schemas.microsoft.com/office/drawing/2014/main" id="{F8F54CCB-9AA5-790B-7C1B-D92276D9F8CC}"/>
+              </a:ext>
+            </a:extLst>
+          </p:cNvPr>
+          <p:cNvCxnSpPr>
+            <a:cxnSpLocks/>
+          </p:cNvCxnSpPr>
+          <p:nvPr/>
+        </p:nvCxnSpPr>
+        <p:spPr>
+          <a:xfrm>
+            <a:off x="2342310" y="2449411"/>
+            <a:ext cx="0" cy="3248080"/>
+          </a:xfrm>
+          <a:prstGeom prst="line">
+            <a:avLst/>
+          </a:prstGeom>
+          <a:ln w="38100">
+            <a:solidFill>
+              <a:schemeClr val="accent1"/>
+            </a:solidFill>
+          </a:ln>
+        </p:spPr>
+        <p:style>
+          <a:lnRef idx="1">
+            <a:schemeClr val="accent2"/>
+          </a:lnRef>
+          <a:fillRef idx="0">
+            <a:schemeClr val="accent2"/>
+          </a:fillRef>
+          <a:effectRef idx="0">
+            <a:schemeClr val="accent2"/>
+          </a:effectRef>
+          <a:fontRef idx="minor">
+            <a:schemeClr val="tx1"/>
+          </a:fontRef>
+        </p:style>
+      </p:cxnSp>
+      <p:cxnSp>
+        <p:nvCxnSpPr>
+          <p:cNvPr id="18" name="Straight Connector 17">
+            <a:extLst>
+              <a:ext uri="{FF2B5EF4-FFF2-40B4-BE49-F238E27FC236}">
+                <a16:creationId xmlns:a16="http://schemas.microsoft.com/office/drawing/2014/main" id="{484B971A-6D27-2AF7-6685-AA111779616A}"/>
+              </a:ext>
+            </a:extLst>
+          </p:cNvPr>
+          <p:cNvCxnSpPr>
+            <a:cxnSpLocks/>
+          </p:cNvCxnSpPr>
+          <p:nvPr/>
+        </p:nvCxnSpPr>
+        <p:spPr>
+          <a:xfrm>
+            <a:off x="3878484" y="2449411"/>
+            <a:ext cx="0" cy="3248080"/>
+          </a:xfrm>
+          <a:prstGeom prst="line">
+            <a:avLst/>
+          </a:prstGeom>
+          <a:ln w="38100">
+            <a:solidFill>
+              <a:schemeClr val="accent1"/>
+            </a:solidFill>
+          </a:ln>
+        </p:spPr>
+        <p:style>
+          <a:lnRef idx="1">
+            <a:schemeClr val="accent2"/>
+          </a:lnRef>
+          <a:fillRef idx="0">
+            <a:schemeClr val="accent2"/>
+          </a:fillRef>
+          <a:effectRef idx="0">
+            <a:schemeClr val="accent2"/>
+          </a:effectRef>
+          <a:fontRef idx="minor">
+            <a:schemeClr val="tx1"/>
+          </a:fontRef>
+        </p:style>
+      </p:cxnSp>
     </p:spTree>
     <p:extLst>
       <p:ext uri="{BB962C8B-B14F-4D97-AF65-F5344CB8AC3E}">
-        <p14:creationId xmlns:p14="http://schemas.microsoft.com/office/powerpoint/2010/main" val="2923743062"/>
+        <p14:creationId xmlns:p14="http://schemas.microsoft.com/office/powerpoint/2010/main" val="4066326221"/>
       </p:ext>
     </p:extLst>
   </p:cSld>
@@ -4916,6 +5873,187 @@
       </p:grpSpPr>
       <p:sp>
         <p:nvSpPr>
+          <p:cNvPr id="2" name="Title 1">
+            <a:extLst>
+              <a:ext uri="{FF2B5EF4-FFF2-40B4-BE49-F238E27FC236}">
+                <a16:creationId xmlns:a16="http://schemas.microsoft.com/office/drawing/2014/main" id="{40037165-3F64-4325-6F7B-0A0DDC9061E7}"/>
+              </a:ext>
+            </a:extLst>
+          </p:cNvPr>
+          <p:cNvSpPr>
+            <a:spLocks noGrp="1"/>
+          </p:cNvSpPr>
+          <p:nvPr>
+            <p:ph type="title"/>
+          </p:nvPr>
+        </p:nvSpPr>
+        <p:spPr/>
+        <p:txBody>
+          <a:bodyPr/>
+          <a:lstStyle/>
+          <a:p>
+            <a:r>
+              <a:rPr lang="en-US" dirty="0"/>
+              <a:t>Run 8650 – First Pass</a:t>
+            </a:r>
+          </a:p>
+        </p:txBody>
+      </p:sp>
+      <p:sp>
+        <p:nvSpPr>
+          <p:cNvPr id="3" name="Text Placeholder 2">
+            <a:extLst>
+              <a:ext uri="{FF2B5EF4-FFF2-40B4-BE49-F238E27FC236}">
+                <a16:creationId xmlns:a16="http://schemas.microsoft.com/office/drawing/2014/main" id="{B5387BF0-32D3-F120-9206-97F5A56B7B02}"/>
+              </a:ext>
+            </a:extLst>
+          </p:cNvPr>
+          <p:cNvSpPr>
+            <a:spLocks noGrp="1"/>
+          </p:cNvSpPr>
+          <p:nvPr>
+            <p:ph type="body" idx="1"/>
+          </p:nvPr>
+        </p:nvSpPr>
+        <p:spPr/>
+        <p:txBody>
+          <a:bodyPr/>
+          <a:lstStyle/>
+          <a:p>
+            <a:r>
+              <a:rPr lang="en-US" dirty="0"/>
+              <a:t>(-15, 5) emulation window</a:t>
+            </a:r>
+          </a:p>
+          <a:p>
+            <a:r>
+              <a:rPr lang="en-US" dirty="0"/>
+              <a:t>4 µs shift not corrected</a:t>
+            </a:r>
+          </a:p>
+        </p:txBody>
+      </p:sp>
+      <p:sp>
+        <p:nvSpPr>
+          <p:cNvPr id="4" name="Slide Number Placeholder 3">
+            <a:extLst>
+              <a:ext uri="{FF2B5EF4-FFF2-40B4-BE49-F238E27FC236}">
+                <a16:creationId xmlns:a16="http://schemas.microsoft.com/office/drawing/2014/main" id="{0B8F01B2-F8D1-DFEB-E330-7D7F5E797772}"/>
+              </a:ext>
+            </a:extLst>
+          </p:cNvPr>
+          <p:cNvSpPr>
+            <a:spLocks noGrp="1"/>
+          </p:cNvSpPr>
+          <p:nvPr>
+            <p:ph type="sldNum" sz="quarter" idx="12"/>
+          </p:nvPr>
+        </p:nvSpPr>
+        <p:spPr/>
+        <p:txBody>
+          <a:bodyPr/>
+          <a:lstStyle/>
+          <a:p>
+            <a:fld id="{3C42EEBA-2012-6844-9078-D8C4990BCEAD}" type="slidenum">
+              <a:rPr lang="en-US" smtClean="0"/>
+              <a:t>4</a:t>
+            </a:fld>
+            <a:endParaRPr lang="en-US" dirty="0"/>
+          </a:p>
+        </p:txBody>
+      </p:sp>
+    </p:spTree>
+    <p:extLst>
+      <p:ext uri="{BB962C8B-B14F-4D97-AF65-F5344CB8AC3E}">
+        <p14:creationId xmlns:p14="http://schemas.microsoft.com/office/powerpoint/2010/main" val="2948775988"/>
+      </p:ext>
+    </p:extLst>
+  </p:cSld>
+  <p:clrMapOvr>
+    <a:masterClrMapping/>
+  </p:clrMapOvr>
+</p:sld>
+</file>
+
+<file path=ppt/slides/slide5.xml><?xml version="1.0" encoding="utf-8"?>
+<p:sld xmlns:a="http://schemas.openxmlformats.org/drawingml/2006/main" xmlns:r="http://schemas.openxmlformats.org/officeDocument/2006/relationships" xmlns:p="http://schemas.openxmlformats.org/presentationml/2006/main">
+  <p:cSld>
+    <p:spTree>
+      <p:nvGrpSpPr>
+        <p:cNvPr id="1" name=""/>
+        <p:cNvGrpSpPr/>
+        <p:nvPr/>
+      </p:nvGrpSpPr>
+      <p:grpSpPr>
+        <a:xfrm>
+          <a:off x="0" y="0"/>
+          <a:ext cx="0" cy="0"/>
+          <a:chOff x="0" y="0"/>
+          <a:chExt cx="0" cy="0"/>
+        </a:xfrm>
+      </p:grpSpPr>
+      <p:pic>
+        <p:nvPicPr>
+          <p:cNvPr id="3" name="Picture 2">
+            <a:extLst>
+              <a:ext uri="{FF2B5EF4-FFF2-40B4-BE49-F238E27FC236}">
+                <a16:creationId xmlns:a16="http://schemas.microsoft.com/office/drawing/2014/main" id="{E8E2A52D-9700-18E7-46BA-4A5CC6A9803D}"/>
+              </a:ext>
+            </a:extLst>
+          </p:cNvPr>
+          <p:cNvPicPr>
+            <a:picLocks noChangeAspect="1"/>
+          </p:cNvPicPr>
+          <p:nvPr/>
+        </p:nvPicPr>
+        <p:blipFill>
+          <a:blip r:embed="rId3"/>
+          <a:stretch>
+            <a:fillRect/>
+          </a:stretch>
+        </p:blipFill>
+        <p:spPr>
+          <a:xfrm>
+            <a:off x="6184557" y="2505075"/>
+            <a:ext cx="4315541" cy="4254328"/>
+          </a:xfrm>
+          <a:prstGeom prst="rect">
+            <a:avLst/>
+          </a:prstGeom>
+        </p:spPr>
+      </p:pic>
+      <p:pic>
+        <p:nvPicPr>
+          <p:cNvPr id="6" name="Picture 5">
+            <a:extLst>
+              <a:ext uri="{FF2B5EF4-FFF2-40B4-BE49-F238E27FC236}">
+                <a16:creationId xmlns:a16="http://schemas.microsoft.com/office/drawing/2014/main" id="{FAC94240-09A9-AD44-88CA-E014687F07D4}"/>
+              </a:ext>
+            </a:extLst>
+          </p:cNvPr>
+          <p:cNvPicPr>
+            <a:picLocks noChangeAspect="1"/>
+          </p:cNvPicPr>
+          <p:nvPr/>
+        </p:nvPicPr>
+        <p:blipFill>
+          <a:blip r:embed="rId4"/>
+          <a:stretch>
+            <a:fillRect/>
+          </a:stretch>
+        </p:blipFill>
+        <p:spPr>
+          <a:xfrm>
+            <a:off x="788079" y="2505075"/>
+            <a:ext cx="4315541" cy="4254328"/>
+          </a:xfrm>
+          <a:prstGeom prst="rect">
+            <a:avLst/>
+          </a:prstGeom>
+        </p:spPr>
+      </p:pic>
+      <p:sp>
+        <p:nvSpPr>
           <p:cNvPr id="8" name="Title 7">
             <a:extLst>
               <a:ext uri="{FF2B5EF4-FFF2-40B4-BE49-F238E27FC236}">
@@ -5033,7 +6171,162 @@
           <a:p>
             <a:fld id="{3C42EEBA-2012-6844-9078-D8C4990BCEAD}" type="slidenum">
               <a:rPr lang="en-US" smtClean="0"/>
-              <a:t>4</a:t>
+              <a:t>5</a:t>
+            </a:fld>
+            <a:endParaRPr lang="en-US" dirty="0"/>
+          </a:p>
+        </p:txBody>
+      </p:sp>
+    </p:spTree>
+    <p:extLst>
+      <p:ext uri="{BB962C8B-B14F-4D97-AF65-F5344CB8AC3E}">
+        <p14:creationId xmlns:p14="http://schemas.microsoft.com/office/powerpoint/2010/main" val="2923743062"/>
+      </p:ext>
+    </p:extLst>
+  </p:cSld>
+  <p:clrMapOvr>
+    <a:masterClrMapping/>
+  </p:clrMapOvr>
+</p:sld>
+</file>
+
+<file path=ppt/slides/slide6.xml><?xml version="1.0" encoding="utf-8"?>
+<p:sld xmlns:a="http://schemas.openxmlformats.org/drawingml/2006/main" xmlns:r="http://schemas.openxmlformats.org/officeDocument/2006/relationships" xmlns:p="http://schemas.openxmlformats.org/presentationml/2006/main">
+  <p:cSld>
+    <p:spTree>
+      <p:nvGrpSpPr>
+        <p:cNvPr id="1" name=""/>
+        <p:cNvGrpSpPr/>
+        <p:nvPr/>
+      </p:nvGrpSpPr>
+      <p:grpSpPr>
+        <a:xfrm>
+          <a:off x="0" y="0"/>
+          <a:ext cx="0" cy="0"/>
+          <a:chOff x="0" y="0"/>
+          <a:chExt cx="0" cy="0"/>
+        </a:xfrm>
+      </p:grpSpPr>
+      <p:sp>
+        <p:nvSpPr>
+          <p:cNvPr id="8" name="Title 7">
+            <a:extLst>
+              <a:ext uri="{FF2B5EF4-FFF2-40B4-BE49-F238E27FC236}">
+                <a16:creationId xmlns:a16="http://schemas.microsoft.com/office/drawing/2014/main" id="{5CE73A5B-48A9-F9FF-58B0-3361D7C5E9CE}"/>
+              </a:ext>
+            </a:extLst>
+          </p:cNvPr>
+          <p:cNvSpPr>
+            <a:spLocks noGrp="1"/>
+          </p:cNvSpPr>
+          <p:nvPr>
+            <p:ph type="title"/>
+          </p:nvPr>
+        </p:nvSpPr>
+        <p:spPr/>
+        <p:txBody>
+          <a:bodyPr/>
+          <a:lstStyle/>
+          <a:p>
+            <a:r>
+              <a:rPr lang="en-US" dirty="0"/>
+              <a:t>At first glance, much worse efficiency than old sample (in </a:t>
+            </a:r>
+            <a:r>
+              <a:rPr lang="en-US" dirty="0">
+                <a:solidFill>
+                  <a:schemeClr val="accent6"/>
+                </a:solidFill>
+              </a:rPr>
+              <a:t>West</a:t>
+            </a:r>
+            <a:r>
+              <a:rPr lang="en-US" dirty="0"/>
+              <a:t> cryostat)</a:t>
+            </a:r>
+          </a:p>
+        </p:txBody>
+      </p:sp>
+      <p:sp>
+        <p:nvSpPr>
+          <p:cNvPr id="9" name="Text Placeholder 8">
+            <a:extLst>
+              <a:ext uri="{FF2B5EF4-FFF2-40B4-BE49-F238E27FC236}">
+                <a16:creationId xmlns:a16="http://schemas.microsoft.com/office/drawing/2014/main" id="{1C9D11B3-776D-4C0B-39EB-0BA0AB10CEBB}"/>
+              </a:ext>
+            </a:extLst>
+          </p:cNvPr>
+          <p:cNvSpPr>
+            <a:spLocks noGrp="1"/>
+          </p:cNvSpPr>
+          <p:nvPr>
+            <p:ph type="body" idx="1"/>
+          </p:nvPr>
+        </p:nvSpPr>
+        <p:spPr/>
+        <p:txBody>
+          <a:bodyPr/>
+          <a:lstStyle/>
+          <a:p>
+            <a:r>
+              <a:rPr lang="en-US" dirty="0"/>
+              <a:t>Run 7232</a:t>
+            </a:r>
+          </a:p>
+        </p:txBody>
+      </p:sp>
+      <p:sp>
+        <p:nvSpPr>
+          <p:cNvPr id="11" name="Text Placeholder 10">
+            <a:extLst>
+              <a:ext uri="{FF2B5EF4-FFF2-40B4-BE49-F238E27FC236}">
+                <a16:creationId xmlns:a16="http://schemas.microsoft.com/office/drawing/2014/main" id="{1D082156-A883-BEF4-D354-FEEFA8EF3B14}"/>
+              </a:ext>
+            </a:extLst>
+          </p:cNvPr>
+          <p:cNvSpPr>
+            <a:spLocks noGrp="1"/>
+          </p:cNvSpPr>
+          <p:nvPr>
+            <p:ph type="body" sz="quarter" idx="3"/>
+          </p:nvPr>
+        </p:nvSpPr>
+        <p:spPr/>
+        <p:txBody>
+          <a:bodyPr/>
+          <a:lstStyle/>
+          <a:p>
+            <a:r>
+              <a:rPr lang="en-US" dirty="0"/>
+              <a:t>Run 8650, volumes 0-2</a:t>
+            </a:r>
+          </a:p>
+        </p:txBody>
+      </p:sp>
+      <p:sp>
+        <p:nvSpPr>
+          <p:cNvPr id="4" name="Slide Number Placeholder 3">
+            <a:extLst>
+              <a:ext uri="{FF2B5EF4-FFF2-40B4-BE49-F238E27FC236}">
+                <a16:creationId xmlns:a16="http://schemas.microsoft.com/office/drawing/2014/main" id="{893B94FB-8646-F330-B324-2FE9E913EBDA}"/>
+              </a:ext>
+            </a:extLst>
+          </p:cNvPr>
+          <p:cNvSpPr>
+            <a:spLocks noGrp="1"/>
+          </p:cNvSpPr>
+          <p:nvPr>
+            <p:ph type="sldNum" sz="quarter" idx="12"/>
+          </p:nvPr>
+        </p:nvSpPr>
+        <p:spPr/>
+        <p:txBody>
+          <a:bodyPr/>
+          <a:lstStyle/>
+          <a:p>
+            <a:fld id="{3C42EEBA-2012-6844-9078-D8C4990BCEAD}" type="slidenum">
+              <a:rPr lang="en-US" smtClean="0"/>
+              <a:t>6</a:t>
             </a:fld>
             <a:endParaRPr lang="en-US" dirty="0"/>
           </a:p>
@@ -5112,7 +6405,7 @@
 </p:sld>
 </file>
 
-<file path=ppt/slides/slide5.xml><?xml version="1.0" encoding="utf-8"?>
+<file path=ppt/slides/slide7.xml><?xml version="1.0" encoding="utf-8"?>
 <p:sld xmlns:a="http://schemas.openxmlformats.org/drawingml/2006/main" xmlns:r="http://schemas.openxmlformats.org/officeDocument/2006/relationships" xmlns:p="http://schemas.openxmlformats.org/presentationml/2006/main">
   <p:cSld>
     <p:spTree>
@@ -5308,7 +6601,7 @@
           <a:p>
             <a:fld id="{3C42EEBA-2012-6844-9078-D8C4990BCEAD}" type="slidenum">
               <a:rPr lang="en-US" smtClean="0"/>
-              <a:t>5</a:t>
+              <a:t>7</a:t>
             </a:fld>
             <a:endParaRPr lang="en-US" dirty="0"/>
           </a:p>
@@ -5318,416 +6611,6 @@
     <p:extLst>
       <p:ext uri="{BB962C8B-B14F-4D97-AF65-F5344CB8AC3E}">
         <p14:creationId xmlns:p14="http://schemas.microsoft.com/office/powerpoint/2010/main" val="1985329064"/>
-      </p:ext>
-    </p:extLst>
-  </p:cSld>
-  <p:clrMapOvr>
-    <a:masterClrMapping/>
-  </p:clrMapOvr>
-</p:sld>
-</file>
-
-<file path=ppt/slides/slide6.xml><?xml version="1.0" encoding="utf-8"?>
-<p:sld xmlns:a="http://schemas.openxmlformats.org/drawingml/2006/main" xmlns:r="http://schemas.openxmlformats.org/officeDocument/2006/relationships" xmlns:p="http://schemas.openxmlformats.org/presentationml/2006/main">
-  <p:cSld>
-    <p:spTree>
-      <p:nvGrpSpPr>
-        <p:cNvPr id="1" name=""/>
-        <p:cNvGrpSpPr/>
-        <p:nvPr/>
-      </p:nvGrpSpPr>
-      <p:grpSpPr>
-        <a:xfrm>
-          <a:off x="0" y="0"/>
-          <a:ext cx="0" cy="0"/>
-          <a:chOff x="0" y="0"/>
-          <a:chExt cx="0" cy="0"/>
-        </a:xfrm>
-      </p:grpSpPr>
-      <p:pic>
-        <p:nvPicPr>
-          <p:cNvPr id="5" name="Picture 4">
-            <a:extLst>
-              <a:ext uri="{FF2B5EF4-FFF2-40B4-BE49-F238E27FC236}">
-                <a16:creationId xmlns:a16="http://schemas.microsoft.com/office/drawing/2014/main" id="{A8F34EB7-66F8-7F04-6F06-46D2BF79FDBE}"/>
-              </a:ext>
-            </a:extLst>
-          </p:cNvPr>
-          <p:cNvPicPr>
-            <a:picLocks noChangeAspect="1"/>
-          </p:cNvPicPr>
-          <p:nvPr/>
-        </p:nvPicPr>
-        <p:blipFill>
-          <a:blip r:embed="rId3"/>
-          <a:stretch>
-            <a:fillRect/>
-          </a:stretch>
-        </p:blipFill>
-        <p:spPr>
-          <a:xfrm>
-            <a:off x="836612" y="2505075"/>
-            <a:ext cx="4246954" cy="4216400"/>
-          </a:xfrm>
-          <a:prstGeom prst="rect">
-            <a:avLst/>
-          </a:prstGeom>
-        </p:spPr>
-      </p:pic>
-      <p:pic>
-        <p:nvPicPr>
-          <p:cNvPr id="2" name="Picture 1">
-            <a:extLst>
-              <a:ext uri="{FF2B5EF4-FFF2-40B4-BE49-F238E27FC236}">
-                <a16:creationId xmlns:a16="http://schemas.microsoft.com/office/drawing/2014/main" id="{D89E9422-A85C-4AAE-9561-2B06C946E555}"/>
-              </a:ext>
-            </a:extLst>
-          </p:cNvPr>
-          <p:cNvPicPr>
-            <a:picLocks noChangeAspect="1"/>
-          </p:cNvPicPr>
-          <p:nvPr/>
-        </p:nvPicPr>
-        <p:blipFill>
-          <a:blip r:embed="rId4"/>
-          <a:stretch>
-            <a:fillRect/>
-          </a:stretch>
-        </p:blipFill>
-        <p:spPr>
-          <a:xfrm>
-            <a:off x="6159843" y="2505075"/>
-            <a:ext cx="4308061" cy="4216400"/>
-          </a:xfrm>
-          <a:prstGeom prst="rect">
-            <a:avLst/>
-          </a:prstGeom>
-        </p:spPr>
-      </p:pic>
-      <p:sp>
-        <p:nvSpPr>
-          <p:cNvPr id="8" name="Title 7">
-            <a:extLst>
-              <a:ext uri="{FF2B5EF4-FFF2-40B4-BE49-F238E27FC236}">
-                <a16:creationId xmlns:a16="http://schemas.microsoft.com/office/drawing/2014/main" id="{5CE73A5B-48A9-F9FF-58B0-3361D7C5E9CE}"/>
-              </a:ext>
-            </a:extLst>
-          </p:cNvPr>
-          <p:cNvSpPr>
-            <a:spLocks noGrp="1"/>
-          </p:cNvSpPr>
-          <p:nvPr>
-            <p:ph type="title"/>
-          </p:nvPr>
-        </p:nvSpPr>
-        <p:spPr/>
-        <p:txBody>
-          <a:bodyPr/>
-          <a:lstStyle/>
-          <a:p>
-            <a:r>
-              <a:rPr lang="en-US" dirty="0"/>
-              <a:t>At first glance, much worse efficiency than old sample (in </a:t>
-            </a:r>
-            <a:r>
-              <a:rPr lang="en-US" dirty="0">
-                <a:solidFill>
-                  <a:schemeClr val="accent2"/>
-                </a:solidFill>
-              </a:rPr>
-              <a:t>East</a:t>
-            </a:r>
-            <a:r>
-              <a:rPr lang="en-US" dirty="0"/>
-              <a:t> cryostat)</a:t>
-            </a:r>
-          </a:p>
-        </p:txBody>
-      </p:sp>
-      <p:sp>
-        <p:nvSpPr>
-          <p:cNvPr id="9" name="Text Placeholder 8">
-            <a:extLst>
-              <a:ext uri="{FF2B5EF4-FFF2-40B4-BE49-F238E27FC236}">
-                <a16:creationId xmlns:a16="http://schemas.microsoft.com/office/drawing/2014/main" id="{1C9D11B3-776D-4C0B-39EB-0BA0AB10CEBB}"/>
-              </a:ext>
-            </a:extLst>
-          </p:cNvPr>
-          <p:cNvSpPr>
-            <a:spLocks noGrp="1"/>
-          </p:cNvSpPr>
-          <p:nvPr>
-            <p:ph type="body" idx="1"/>
-          </p:nvPr>
-        </p:nvSpPr>
-        <p:spPr/>
-        <p:txBody>
-          <a:bodyPr/>
-          <a:lstStyle/>
-          <a:p>
-            <a:r>
-              <a:rPr lang="en-US" dirty="0"/>
-              <a:t>Run 7232</a:t>
-            </a:r>
-          </a:p>
-        </p:txBody>
-      </p:sp>
-      <p:sp>
-        <p:nvSpPr>
-          <p:cNvPr id="11" name="Text Placeholder 10">
-            <a:extLst>
-              <a:ext uri="{FF2B5EF4-FFF2-40B4-BE49-F238E27FC236}">
-                <a16:creationId xmlns:a16="http://schemas.microsoft.com/office/drawing/2014/main" id="{1D082156-A883-BEF4-D354-FEEFA8EF3B14}"/>
-              </a:ext>
-            </a:extLst>
-          </p:cNvPr>
-          <p:cNvSpPr>
-            <a:spLocks noGrp="1"/>
-          </p:cNvSpPr>
-          <p:nvPr>
-            <p:ph type="body" sz="quarter" idx="3"/>
-          </p:nvPr>
-        </p:nvSpPr>
-        <p:spPr/>
-        <p:txBody>
-          <a:bodyPr/>
-          <a:lstStyle/>
-          <a:p>
-            <a:r>
-              <a:rPr lang="en-US" dirty="0"/>
-              <a:t>Run 8650, volumes 0-2</a:t>
-            </a:r>
-          </a:p>
-        </p:txBody>
-      </p:sp>
-      <p:sp>
-        <p:nvSpPr>
-          <p:cNvPr id="4" name="Slide Number Placeholder 3">
-            <a:extLst>
-              <a:ext uri="{FF2B5EF4-FFF2-40B4-BE49-F238E27FC236}">
-                <a16:creationId xmlns:a16="http://schemas.microsoft.com/office/drawing/2014/main" id="{893B94FB-8646-F330-B324-2FE9E913EBDA}"/>
-              </a:ext>
-            </a:extLst>
-          </p:cNvPr>
-          <p:cNvSpPr>
-            <a:spLocks noGrp="1"/>
-          </p:cNvSpPr>
-          <p:nvPr>
-            <p:ph type="sldNum" sz="quarter" idx="12"/>
-          </p:nvPr>
-        </p:nvSpPr>
-        <p:spPr/>
-        <p:txBody>
-          <a:bodyPr/>
-          <a:lstStyle/>
-          <a:p>
-            <a:fld id="{3C42EEBA-2012-6844-9078-D8C4990BCEAD}" type="slidenum">
-              <a:rPr lang="en-US" smtClean="0"/>
-              <a:t>6</a:t>
-            </a:fld>
-            <a:endParaRPr lang="en-US" dirty="0"/>
-          </a:p>
-        </p:txBody>
-      </p:sp>
-    </p:spTree>
-    <p:extLst>
-      <p:ext uri="{BB962C8B-B14F-4D97-AF65-F5344CB8AC3E}">
-        <p14:creationId xmlns:p14="http://schemas.microsoft.com/office/powerpoint/2010/main" val="3126049787"/>
-      </p:ext>
-    </p:extLst>
-  </p:cSld>
-  <p:clrMapOvr>
-    <a:masterClrMapping/>
-  </p:clrMapOvr>
-</p:sld>
-</file>
-
-<file path=ppt/slides/slide7.xml><?xml version="1.0" encoding="utf-8"?>
-<p:sld xmlns:a="http://schemas.openxmlformats.org/drawingml/2006/main" xmlns:r="http://schemas.openxmlformats.org/officeDocument/2006/relationships" xmlns:p="http://schemas.openxmlformats.org/presentationml/2006/main">
-  <p:cSld>
-    <p:spTree>
-      <p:nvGrpSpPr>
-        <p:cNvPr id="1" name=""/>
-        <p:cNvGrpSpPr/>
-        <p:nvPr/>
-      </p:nvGrpSpPr>
-      <p:grpSpPr>
-        <a:xfrm>
-          <a:off x="0" y="0"/>
-          <a:ext cx="0" cy="0"/>
-          <a:chOff x="0" y="0"/>
-          <a:chExt cx="0" cy="0"/>
-        </a:xfrm>
-      </p:grpSpPr>
-      <p:sp>
-        <p:nvSpPr>
-          <p:cNvPr id="8" name="Title 7">
-            <a:extLst>
-              <a:ext uri="{FF2B5EF4-FFF2-40B4-BE49-F238E27FC236}">
-                <a16:creationId xmlns:a16="http://schemas.microsoft.com/office/drawing/2014/main" id="{EAC2B7C2-4938-810D-77C5-6514D004D06A}"/>
-              </a:ext>
-            </a:extLst>
-          </p:cNvPr>
-          <p:cNvSpPr>
-            <a:spLocks noGrp="1"/>
-          </p:cNvSpPr>
-          <p:nvPr>
-            <p:ph type="title"/>
-          </p:nvPr>
-        </p:nvSpPr>
-        <p:spPr/>
-        <p:txBody>
-          <a:bodyPr/>
-          <a:lstStyle/>
-          <a:p>
-            <a:r>
-              <a:rPr lang="en-US" dirty="0"/>
-              <a:t>Issue with Run 8650</a:t>
-            </a:r>
-          </a:p>
-        </p:txBody>
-      </p:sp>
-      <p:pic>
-        <p:nvPicPr>
-          <p:cNvPr id="11" name="Content Placeholder 10">
-            <a:extLst>
-              <a:ext uri="{FF2B5EF4-FFF2-40B4-BE49-F238E27FC236}">
-                <a16:creationId xmlns:a16="http://schemas.microsoft.com/office/drawing/2014/main" id="{CA50062C-8385-57B0-CE8A-8D16FC89E68B}"/>
-              </a:ext>
-            </a:extLst>
-          </p:cNvPr>
-          <p:cNvPicPr>
-            <a:picLocks noGrp="1" noChangeAspect="1"/>
-          </p:cNvPicPr>
-          <p:nvPr>
-            <p:ph idx="1"/>
-          </p:nvPr>
-        </p:nvPicPr>
-        <p:blipFill>
-          <a:blip r:embed="rId2"/>
-          <a:stretch>
-            <a:fillRect/>
-          </a:stretch>
-        </p:blipFill>
-        <p:spPr>
-          <a:xfrm>
-            <a:off x="5183188" y="1366837"/>
-            <a:ext cx="6172200" cy="4114800"/>
-          </a:xfrm>
-        </p:spPr>
-      </p:pic>
-      <p:sp>
-        <p:nvSpPr>
-          <p:cNvPr id="12" name="Text Placeholder 11">
-            <a:extLst>
-              <a:ext uri="{FF2B5EF4-FFF2-40B4-BE49-F238E27FC236}">
-                <a16:creationId xmlns:a16="http://schemas.microsoft.com/office/drawing/2014/main" id="{79D480FF-6091-20CE-383B-1BD4D07A1798}"/>
-              </a:ext>
-            </a:extLst>
-          </p:cNvPr>
-          <p:cNvSpPr>
-            <a:spLocks noGrp="1"/>
-          </p:cNvSpPr>
-          <p:nvPr>
-            <p:ph type="body" sz="half" idx="2"/>
-          </p:nvPr>
-        </p:nvSpPr>
-        <p:spPr/>
-        <p:txBody>
-          <a:bodyPr/>
-          <a:lstStyle/>
-          <a:p>
-            <a:pPr marL="285750" indent="-285750">
-              <a:buFont typeface="Arial" panose="020B0604020202020204" pitchFamily="34" charset="0"/>
-              <a:buChar char="•"/>
-            </a:pPr>
-            <a:r>
-              <a:rPr lang="en-US" dirty="0"/>
-              <a:t>This emulation window should be (-15µs, 5 µs)</a:t>
-            </a:r>
-          </a:p>
-          <a:p>
-            <a:pPr marL="285750" indent="-285750">
-              <a:buFont typeface="Arial" panose="020B0604020202020204" pitchFamily="34" charset="0"/>
-              <a:buChar char="•"/>
-            </a:pPr>
-            <a:r>
-              <a:rPr lang="en-US" dirty="0"/>
-              <a:t>There is a 4.2 µs shift, due to poor t0 reconstruction</a:t>
-            </a:r>
-          </a:p>
-          <a:p>
-            <a:pPr marL="742950" lvl="1" indent="-285750">
-              <a:buFont typeface="Arial" panose="020B0604020202020204" pitchFamily="34" charset="0"/>
-              <a:buChar char="•"/>
-            </a:pPr>
-            <a:r>
-              <a:rPr lang="en-US" dirty="0"/>
-              <a:t>Gianluca wrote script to fix this shift, needs to be tested and merged to ICARUS code base</a:t>
-            </a:r>
-          </a:p>
-          <a:p>
-            <a:pPr marL="742950" lvl="1" indent="-285750">
-              <a:buFont typeface="Arial" panose="020B0604020202020204" pitchFamily="34" charset="0"/>
-              <a:buChar char="•"/>
-            </a:pPr>
-            <a:r>
-              <a:rPr lang="en-US" dirty="0"/>
-              <a:t>Entire reprocessing of run 8650 required!</a:t>
-            </a:r>
-          </a:p>
-          <a:p>
-            <a:pPr marL="742950" lvl="1" indent="-285750">
-              <a:buFont typeface="Arial" panose="020B0604020202020204" pitchFamily="34" charset="0"/>
-              <a:buChar char="•"/>
-            </a:pPr>
-            <a:r>
-              <a:rPr lang="en-US" dirty="0"/>
-              <a:t>Might fix some of the issues we saw with extreme drops in efficiency in this cryostat</a:t>
-            </a:r>
-          </a:p>
-          <a:p>
-            <a:pPr marL="742950" lvl="1" indent="-285750">
-              <a:buFont typeface="Arial" panose="020B0604020202020204" pitchFamily="34" charset="0"/>
-              <a:buChar char="•"/>
-            </a:pPr>
-            <a:endParaRPr lang="en-US" dirty="0"/>
-          </a:p>
-        </p:txBody>
-      </p:sp>
-      <p:sp>
-        <p:nvSpPr>
-          <p:cNvPr id="7" name="Slide Number Placeholder 6">
-            <a:extLst>
-              <a:ext uri="{FF2B5EF4-FFF2-40B4-BE49-F238E27FC236}">
-                <a16:creationId xmlns:a16="http://schemas.microsoft.com/office/drawing/2014/main" id="{CF973C7E-DA24-8B03-E243-54C0FAB99216}"/>
-              </a:ext>
-            </a:extLst>
-          </p:cNvPr>
-          <p:cNvSpPr>
-            <a:spLocks noGrp="1"/>
-          </p:cNvSpPr>
-          <p:nvPr>
-            <p:ph type="sldNum" sz="quarter" idx="12"/>
-          </p:nvPr>
-        </p:nvSpPr>
-        <p:spPr/>
-        <p:txBody>
-          <a:bodyPr/>
-          <a:lstStyle/>
-          <a:p>
-            <a:fld id="{3C42EEBA-2012-6844-9078-D8C4990BCEAD}" type="slidenum">
-              <a:rPr lang="en-US" smtClean="0"/>
-              <a:t>7</a:t>
-            </a:fld>
-            <a:endParaRPr lang="en-US" dirty="0"/>
-          </a:p>
-        </p:txBody>
-      </p:sp>
-    </p:spTree>
-    <p:extLst>
-      <p:ext uri="{BB962C8B-B14F-4D97-AF65-F5344CB8AC3E}">
-        <p14:creationId xmlns:p14="http://schemas.microsoft.com/office/powerpoint/2010/main" val="1853523639"/>
       </p:ext>
     </p:extLst>
   </p:cSld>
@@ -5754,12 +6637,72 @@
           <a:chExt cx="0" cy="0"/>
         </a:xfrm>
       </p:grpSpPr>
-      <p:sp>
-        <p:nvSpPr>
-          <p:cNvPr id="6" name="Title 5">
-            <a:extLst>
-              <a:ext uri="{FF2B5EF4-FFF2-40B4-BE49-F238E27FC236}">
-                <a16:creationId xmlns:a16="http://schemas.microsoft.com/office/drawing/2014/main" id="{5969D557-177F-EAF8-E003-AD76B214200A}"/>
+      <p:pic>
+        <p:nvPicPr>
+          <p:cNvPr id="5" name="Picture 4">
+            <a:extLst>
+              <a:ext uri="{FF2B5EF4-FFF2-40B4-BE49-F238E27FC236}">
+                <a16:creationId xmlns:a16="http://schemas.microsoft.com/office/drawing/2014/main" id="{A8F34EB7-66F8-7F04-6F06-46D2BF79FDBE}"/>
+              </a:ext>
+            </a:extLst>
+          </p:cNvPr>
+          <p:cNvPicPr>
+            <a:picLocks noChangeAspect="1"/>
+          </p:cNvPicPr>
+          <p:nvPr/>
+        </p:nvPicPr>
+        <p:blipFill>
+          <a:blip r:embed="rId3"/>
+          <a:stretch>
+            <a:fillRect/>
+          </a:stretch>
+        </p:blipFill>
+        <p:spPr>
+          <a:xfrm>
+            <a:off x="836612" y="2505075"/>
+            <a:ext cx="4246954" cy="4216400"/>
+          </a:xfrm>
+          <a:prstGeom prst="rect">
+            <a:avLst/>
+          </a:prstGeom>
+        </p:spPr>
+      </p:pic>
+      <p:pic>
+        <p:nvPicPr>
+          <p:cNvPr id="2" name="Picture 1">
+            <a:extLst>
+              <a:ext uri="{FF2B5EF4-FFF2-40B4-BE49-F238E27FC236}">
+                <a16:creationId xmlns:a16="http://schemas.microsoft.com/office/drawing/2014/main" id="{D89E9422-A85C-4AAE-9561-2B06C946E555}"/>
+              </a:ext>
+            </a:extLst>
+          </p:cNvPr>
+          <p:cNvPicPr>
+            <a:picLocks noChangeAspect="1"/>
+          </p:cNvPicPr>
+          <p:nvPr/>
+        </p:nvPicPr>
+        <p:blipFill>
+          <a:blip r:embed="rId4"/>
+          <a:stretch>
+            <a:fillRect/>
+          </a:stretch>
+        </p:blipFill>
+        <p:spPr>
+          <a:xfrm>
+            <a:off x="6159843" y="2505075"/>
+            <a:ext cx="4308061" cy="4216400"/>
+          </a:xfrm>
+          <a:prstGeom prst="rect">
+            <a:avLst/>
+          </a:prstGeom>
+        </p:spPr>
+      </p:pic>
+      <p:sp>
+        <p:nvSpPr>
+          <p:cNvPr id="8" name="Title 7">
+            <a:extLst>
+              <a:ext uri="{FF2B5EF4-FFF2-40B4-BE49-F238E27FC236}">
+                <a16:creationId xmlns:a16="http://schemas.microsoft.com/office/drawing/2014/main" id="{5CE73A5B-48A9-F9FF-58B0-3361D7C5E9CE}"/>
               </a:ext>
             </a:extLst>
           </p:cNvPr>
@@ -5777,61 +6720,112 @@
           <a:p>
             <a:r>
               <a:rPr lang="en-US" dirty="0"/>
-              <a:t>Trigger Emulation Windows</a:t>
-            </a:r>
-          </a:p>
-        </p:txBody>
-      </p:sp>
-      <p:sp>
-        <p:nvSpPr>
-          <p:cNvPr id="7" name="Content Placeholder 6">
-            <a:extLst>
-              <a:ext uri="{FF2B5EF4-FFF2-40B4-BE49-F238E27FC236}">
-                <a16:creationId xmlns:a16="http://schemas.microsoft.com/office/drawing/2014/main" id="{40BD01CF-E43C-B3DA-801B-1A7355C53EC7}"/>
-              </a:ext>
-            </a:extLst>
-          </p:cNvPr>
-          <p:cNvSpPr>
-            <a:spLocks noGrp="1"/>
-          </p:cNvSpPr>
-          <p:nvPr>
-            <p:ph idx="1"/>
-          </p:nvPr>
-        </p:nvSpPr>
-        <p:spPr/>
-        <p:txBody>
-          <a:bodyPr/>
-          <a:lstStyle/>
-          <a:p>
+              <a:t>At first glance, much worse efficiency than old sample (in </a:t>
+            </a:r>
+            <a:r>
+              <a:rPr lang="en-US" dirty="0">
+                <a:solidFill>
+                  <a:schemeClr val="accent2"/>
+                </a:solidFill>
+              </a:rPr>
+              <a:t>East</a:t>
+            </a:r>
             <a:r>
               <a:rPr lang="en-US" dirty="0"/>
-              <a:t>East Cryostat – stuck with the (-20, 0) µs emulation window</a:t>
-            </a:r>
-          </a:p>
+              <a:t> cryostat)</a:t>
+            </a:r>
+          </a:p>
+        </p:txBody>
+      </p:sp>
+      <p:sp>
+        <p:nvSpPr>
+          <p:cNvPr id="9" name="Text Placeholder 8">
+            <a:extLst>
+              <a:ext uri="{FF2B5EF4-FFF2-40B4-BE49-F238E27FC236}">
+                <a16:creationId xmlns:a16="http://schemas.microsoft.com/office/drawing/2014/main" id="{1C9D11B3-776D-4C0B-39EB-0BA0AB10CEBB}"/>
+              </a:ext>
+            </a:extLst>
+          </p:cNvPr>
+          <p:cNvSpPr>
+            <a:spLocks noGrp="1"/>
+          </p:cNvSpPr>
+          <p:nvPr>
+            <p:ph type="body" idx="1"/>
+          </p:nvPr>
+        </p:nvSpPr>
+        <p:spPr/>
+        <p:txBody>
+          <a:bodyPr/>
+          <a:lstStyle/>
           <a:p>
             <a:r>
               <a:rPr lang="en-US" dirty="0"/>
-              <a:t>West Cryostat – chose the (-15, 5) µs emulation window</a:t>
-            </a:r>
-          </a:p>
+              <a:t>Run 7232</a:t>
+            </a:r>
+          </a:p>
+        </p:txBody>
+      </p:sp>
+      <p:sp>
+        <p:nvSpPr>
+          <p:cNvPr id="11" name="Text Placeholder 10">
+            <a:extLst>
+              <a:ext uri="{FF2B5EF4-FFF2-40B4-BE49-F238E27FC236}">
+                <a16:creationId xmlns:a16="http://schemas.microsoft.com/office/drawing/2014/main" id="{1D082156-A883-BEF4-D354-FEEFA8EF3B14}"/>
+              </a:ext>
+            </a:extLst>
+          </p:cNvPr>
+          <p:cNvSpPr>
+            <a:spLocks noGrp="1"/>
+          </p:cNvSpPr>
+          <p:nvPr>
+            <p:ph type="body" sz="quarter" idx="3"/>
+          </p:nvPr>
+        </p:nvSpPr>
+        <p:spPr/>
+        <p:txBody>
+          <a:bodyPr/>
+          <a:lstStyle/>
           <a:p>
             <a:r>
               <a:rPr lang="en-US" dirty="0"/>
-              <a:t>Due to various shifts, PMT readout window for this sample is (-49, 117) µs</a:t>
-            </a:r>
-          </a:p>
-          <a:p>
-            <a:r>
-              <a:rPr lang="en-US" dirty="0"/>
-              <a:t>t0 reconstruction has improved since run 7232 – more flashes after t0 now compared to previously</a:t>
-            </a:r>
+              <a:t>Run 8650, volumes 0-2</a:t>
+            </a:r>
+          </a:p>
+        </p:txBody>
+      </p:sp>
+      <p:sp>
+        <p:nvSpPr>
+          <p:cNvPr id="4" name="Slide Number Placeholder 3">
+            <a:extLst>
+              <a:ext uri="{FF2B5EF4-FFF2-40B4-BE49-F238E27FC236}">
+                <a16:creationId xmlns:a16="http://schemas.microsoft.com/office/drawing/2014/main" id="{893B94FB-8646-F330-B324-2FE9E913EBDA}"/>
+              </a:ext>
+            </a:extLst>
+          </p:cNvPr>
+          <p:cNvSpPr>
+            <a:spLocks noGrp="1"/>
+          </p:cNvSpPr>
+          <p:nvPr>
+            <p:ph type="sldNum" sz="quarter" idx="12"/>
+          </p:nvPr>
+        </p:nvSpPr>
+        <p:spPr/>
+        <p:txBody>
+          <a:bodyPr/>
+          <a:lstStyle/>
+          <a:p>
+            <a:fld id="{3C42EEBA-2012-6844-9078-D8C4990BCEAD}" type="slidenum">
+              <a:rPr lang="en-US" smtClean="0"/>
+              <a:t>8</a:t>
+            </a:fld>
+            <a:endParaRPr lang="en-US" dirty="0"/>
           </a:p>
         </p:txBody>
       </p:sp>
     </p:spTree>
     <p:extLst>
       <p:ext uri="{BB962C8B-B14F-4D97-AF65-F5344CB8AC3E}">
-        <p14:creationId xmlns:p14="http://schemas.microsoft.com/office/powerpoint/2010/main" val="1125222012"/>
+        <p14:creationId xmlns:p14="http://schemas.microsoft.com/office/powerpoint/2010/main" val="3126049787"/>
       </p:ext>
     </p:extLst>
   </p:cSld>
@@ -5860,10 +6854,10 @@
       </p:grpSpPr>
       <p:sp>
         <p:nvSpPr>
-          <p:cNvPr id="4" name="Title 3">
-            <a:extLst>
-              <a:ext uri="{FF2B5EF4-FFF2-40B4-BE49-F238E27FC236}">
-                <a16:creationId xmlns:a16="http://schemas.microsoft.com/office/drawing/2014/main" id="{ADA3826F-E251-1CB5-0A77-560E9E0B08B8}"/>
+          <p:cNvPr id="8" name="Title 7">
+            <a:extLst>
+              <a:ext uri="{FF2B5EF4-FFF2-40B4-BE49-F238E27FC236}">
+                <a16:creationId xmlns:a16="http://schemas.microsoft.com/office/drawing/2014/main" id="{EAC2B7C2-4938-810D-77C5-6514D004D06A}"/>
               </a:ext>
             </a:extLst>
           </p:cNvPr>
@@ -5881,40 +6875,152 @@
           <a:p>
             <a:r>
               <a:rPr lang="en-US" dirty="0"/>
-              <a:t>Efficiency Plots</a:t>
-            </a:r>
-          </a:p>
-        </p:txBody>
-      </p:sp>
-      <p:sp>
-        <p:nvSpPr>
-          <p:cNvPr id="5" name="Text Placeholder 4">
-            <a:extLst>
-              <a:ext uri="{FF2B5EF4-FFF2-40B4-BE49-F238E27FC236}">
-                <a16:creationId xmlns:a16="http://schemas.microsoft.com/office/drawing/2014/main" id="{43CACA1D-B752-E032-10B9-58E0D9CEE960}"/>
-              </a:ext>
-            </a:extLst>
-          </p:cNvPr>
-          <p:cNvSpPr>
-            <a:spLocks noGrp="1"/>
-          </p:cNvSpPr>
-          <p:nvPr>
-            <p:ph type="body" idx="1"/>
-          </p:nvPr>
-        </p:nvSpPr>
-        <p:spPr/>
-        <p:txBody>
-          <a:bodyPr/>
-          <a:lstStyle/>
-          <a:p>
-            <a:endParaRPr lang="en-US"/>
+              <a:t>Issue with Run 8650</a:t>
+            </a:r>
+          </a:p>
+        </p:txBody>
+      </p:sp>
+      <p:pic>
+        <p:nvPicPr>
+          <p:cNvPr id="11" name="Content Placeholder 10">
+            <a:extLst>
+              <a:ext uri="{FF2B5EF4-FFF2-40B4-BE49-F238E27FC236}">
+                <a16:creationId xmlns:a16="http://schemas.microsoft.com/office/drawing/2014/main" id="{CA50062C-8385-57B0-CE8A-8D16FC89E68B}"/>
+              </a:ext>
+            </a:extLst>
+          </p:cNvPr>
+          <p:cNvPicPr>
+            <a:picLocks noGrp="1" noChangeAspect="1"/>
+          </p:cNvPicPr>
+          <p:nvPr>
+            <p:ph idx="1"/>
+          </p:nvPr>
+        </p:nvPicPr>
+        <p:blipFill>
+          <a:blip r:embed="rId2"/>
+          <a:stretch>
+            <a:fillRect/>
+          </a:stretch>
+        </p:blipFill>
+        <p:spPr>
+          <a:xfrm>
+            <a:off x="5183188" y="1366837"/>
+            <a:ext cx="6172200" cy="4114800"/>
+          </a:xfrm>
+        </p:spPr>
+      </p:pic>
+      <p:sp>
+        <p:nvSpPr>
+          <p:cNvPr id="12" name="Text Placeholder 11">
+            <a:extLst>
+              <a:ext uri="{FF2B5EF4-FFF2-40B4-BE49-F238E27FC236}">
+                <a16:creationId xmlns:a16="http://schemas.microsoft.com/office/drawing/2014/main" id="{79D480FF-6091-20CE-383B-1BD4D07A1798}"/>
+              </a:ext>
+            </a:extLst>
+          </p:cNvPr>
+          <p:cNvSpPr>
+            <a:spLocks noGrp="1"/>
+          </p:cNvSpPr>
+          <p:nvPr>
+            <p:ph type="body" sz="half" idx="2"/>
+          </p:nvPr>
+        </p:nvSpPr>
+        <p:spPr/>
+        <p:txBody>
+          <a:bodyPr/>
+          <a:lstStyle/>
+          <a:p>
+            <a:pPr marL="285750" indent="-285750">
+              <a:buFont typeface="Arial" panose="020B0604020202020204" pitchFamily="34" charset="0"/>
+              <a:buChar char="•"/>
+            </a:pPr>
+            <a:r>
+              <a:rPr lang="en-US" dirty="0"/>
+              <a:t>This emulation window should be (-15µs, 5 µs)</a:t>
+            </a:r>
+          </a:p>
+          <a:p>
+            <a:pPr marL="285750" indent="-285750">
+              <a:buFont typeface="Arial" panose="020B0604020202020204" pitchFamily="34" charset="0"/>
+              <a:buChar char="•"/>
+            </a:pPr>
+            <a:r>
+              <a:rPr lang="en-US" dirty="0"/>
+              <a:t>There is a 4.2 µs shift, due to poor t0 reconstruction</a:t>
+            </a:r>
+          </a:p>
+          <a:p>
+            <a:pPr marL="742950" lvl="1" indent="-285750">
+              <a:buFont typeface="Arial" panose="020B0604020202020204" pitchFamily="34" charset="0"/>
+              <a:buChar char="•"/>
+            </a:pPr>
+            <a:r>
+              <a:rPr lang="en-US" dirty="0"/>
+              <a:t>Gianluca wrote script to fix this shift, needs to be tested and merged to ICARUS code base</a:t>
+            </a:r>
+          </a:p>
+          <a:p>
+            <a:pPr marL="742950" lvl="1" indent="-285750">
+              <a:buFont typeface="Arial" panose="020B0604020202020204" pitchFamily="34" charset="0"/>
+              <a:buChar char="•"/>
+            </a:pPr>
+            <a:r>
+              <a:rPr lang="en-US" dirty="0"/>
+              <a:t>Entire reprocessing of run 8650 required!</a:t>
+            </a:r>
+          </a:p>
+          <a:p>
+            <a:pPr marL="742950" lvl="1" indent="-285750">
+              <a:buFont typeface="Arial" panose="020B0604020202020204" pitchFamily="34" charset="0"/>
+              <a:buChar char="•"/>
+            </a:pPr>
+            <a:r>
+              <a:rPr lang="en-US" dirty="0"/>
+              <a:t>Might fix some of the issues we saw with extreme drops in efficiency in this cryostat</a:t>
+            </a:r>
+          </a:p>
+          <a:p>
+            <a:pPr marL="742950" lvl="1" indent="-285750">
+              <a:buFont typeface="Arial" panose="020B0604020202020204" pitchFamily="34" charset="0"/>
+              <a:buChar char="•"/>
+            </a:pPr>
+            <a:endParaRPr lang="en-US" dirty="0"/>
+          </a:p>
+        </p:txBody>
+      </p:sp>
+      <p:sp>
+        <p:nvSpPr>
+          <p:cNvPr id="7" name="Slide Number Placeholder 6">
+            <a:extLst>
+              <a:ext uri="{FF2B5EF4-FFF2-40B4-BE49-F238E27FC236}">
+                <a16:creationId xmlns:a16="http://schemas.microsoft.com/office/drawing/2014/main" id="{CF973C7E-DA24-8B03-E243-54C0FAB99216}"/>
+              </a:ext>
+            </a:extLst>
+          </p:cNvPr>
+          <p:cNvSpPr>
+            <a:spLocks noGrp="1"/>
+          </p:cNvSpPr>
+          <p:nvPr>
+            <p:ph type="sldNum" sz="quarter" idx="12"/>
+          </p:nvPr>
+        </p:nvSpPr>
+        <p:spPr/>
+        <p:txBody>
+          <a:bodyPr/>
+          <a:lstStyle/>
+          <a:p>
+            <a:fld id="{3C42EEBA-2012-6844-9078-D8C4990BCEAD}" type="slidenum">
+              <a:rPr lang="en-US" smtClean="0"/>
+              <a:t>9</a:t>
+            </a:fld>
+            <a:endParaRPr lang="en-US" dirty="0"/>
           </a:p>
         </p:txBody>
       </p:sp>
     </p:spTree>
     <p:extLst>
       <p:ext uri="{BB962C8B-B14F-4D97-AF65-F5344CB8AC3E}">
-        <p14:creationId xmlns:p14="http://schemas.microsoft.com/office/powerpoint/2010/main" val="1021927166"/>
+        <p14:creationId xmlns:p14="http://schemas.microsoft.com/office/powerpoint/2010/main" val="1853523639"/>
       </p:ext>
     </p:extLst>
   </p:cSld>
